--- a/document/계약_실적관련/화면설계_계약.pptx
+++ b/document/계약_실적관련/화면설계_계약.pptx
@@ -7,6 +7,7 @@
   <p:sldIdLst>
     <p:sldId id="256" r:id="rId2"/>
     <p:sldId id="257" r:id="rId3"/>
+    <p:sldId id="258" r:id="rId4"/>
   </p:sldIdLst>
   <p:sldSz cx="12192000" cy="6858000"/>
   <p:notesSz cx="6858000" cy="9144000"/>
@@ -4451,7 +4452,7 @@
         <p:grpSpPr>
           <a:xfrm>
             <a:off x="1679037" y="1352333"/>
-            <a:ext cx="3854377" cy="4928107"/>
+            <a:ext cx="3854377" cy="5636942"/>
             <a:chOff x="1576030" y="1542825"/>
             <a:chExt cx="6656831" cy="4419063"/>
           </a:xfrm>
@@ -4714,7 +4715,7 @@
         </p:nvSpPr>
         <p:spPr>
           <a:xfrm>
-            <a:off x="2561203" y="5836302"/>
+            <a:off x="2595499" y="6584549"/>
             <a:ext cx="916115" cy="269232"/>
           </a:xfrm>
           <a:prstGeom prst="roundRect">
@@ -5049,7 +5050,7 @@
         </p:nvSpPr>
         <p:spPr>
           <a:xfrm>
-            <a:off x="3716219" y="5836302"/>
+            <a:off x="3750515" y="6584549"/>
             <a:ext cx="916115" cy="269232"/>
           </a:xfrm>
           <a:prstGeom prst="roundRect">
@@ -7632,30 +7633,1016 @@
           </a:p>
         </p:txBody>
       </p:sp>
+      <p:sp>
+        <p:nvSpPr>
+          <p:cNvPr id="116" name="Google Shape;132;p1">
+            <a:extLst>
+              <a:ext uri="{FF2B5EF4-FFF2-40B4-BE49-F238E27FC236}">
+                <a16:creationId xmlns:a16="http://schemas.microsoft.com/office/drawing/2014/main" id="{96BF752F-E106-5E19-1376-425DF2F4B0F5}"/>
+              </a:ext>
+            </a:extLst>
+          </p:cNvPr>
+          <p:cNvSpPr txBox="1"/>
+          <p:nvPr/>
+        </p:nvSpPr>
+        <p:spPr>
+          <a:xfrm>
+            <a:off x="2012767" y="5911045"/>
+            <a:ext cx="916116" cy="246181"/>
+          </a:xfrm>
+          <a:prstGeom prst="rect">
+            <a:avLst/>
+          </a:prstGeom>
+          <a:noFill/>
+          <a:ln>
+            <a:noFill/>
+          </a:ln>
+        </p:spPr>
+        <p:txBody>
+          <a:bodyPr spcFirstLastPara="1" wrap="square" lIns="91425" tIns="45700" rIns="91425" bIns="45700" anchor="t" anchorCtr="0">
+            <a:spAutoFit/>
+          </a:bodyPr>
+          <a:lstStyle/>
+          <a:p>
+            <a:pPr marL="0" marR="0" lvl="0" indent="0" algn="l" rtl="0">
+              <a:spcBef>
+                <a:spcPts val="0"/>
+              </a:spcBef>
+              <a:spcAft>
+                <a:spcPts val="0"/>
+              </a:spcAft>
+              <a:buNone/>
+            </a:pPr>
+            <a:r>
+              <a:rPr lang="ko-KR" altLang="en-US" sz="1000" dirty="0">
+                <a:solidFill>
+                  <a:schemeClr val="dk1"/>
+                </a:solidFill>
+                <a:latin typeface="Malgun Gothic"/>
+                <a:ea typeface="Malgun Gothic"/>
+                <a:sym typeface="Malgun Gothic"/>
+              </a:rPr>
+              <a:t>세무담당</a:t>
+            </a:r>
+            <a:endParaRPr dirty="0"/>
+          </a:p>
+        </p:txBody>
+      </p:sp>
       <p:cxnSp>
         <p:nvCxnSpPr>
-          <p:cNvPr id="113" name="직선 화살표 연결선 112">
-            <a:extLst>
-              <a:ext uri="{FF2B5EF4-FFF2-40B4-BE49-F238E27FC236}">
-                <a16:creationId xmlns:a16="http://schemas.microsoft.com/office/drawing/2014/main" id="{656A6323-4219-FC52-BB7F-0A0E911C0356}"/>
+          <p:cNvPr id="117" name="Google Shape;133;p1">
+            <a:extLst>
+              <a:ext uri="{FF2B5EF4-FFF2-40B4-BE49-F238E27FC236}">
+                <a16:creationId xmlns:a16="http://schemas.microsoft.com/office/drawing/2014/main" id="{5BB0BFD4-65CD-4F47-C2A0-075ECECFDBFD}"/>
               </a:ext>
             </a:extLst>
           </p:cNvPr>
           <p:cNvCxnSpPr>
             <a:cxnSpLocks/>
-            <a:endCxn id="114" idx="1"/>
           </p:cNvCxnSpPr>
           <p:nvPr/>
         </p:nvCxnSpPr>
         <p:spPr>
-          <a:xfrm flipV="1">
-            <a:off x="3411768" y="1949199"/>
-            <a:ext cx="557140" cy="109270"/>
+          <a:xfrm>
+            <a:off x="2780596" y="6095882"/>
+            <a:ext cx="2462542" cy="0"/>
           </a:xfrm>
           <a:prstGeom prst="straightConnector1">
             <a:avLst/>
           </a:prstGeom>
+          <a:noFill/>
+          <a:ln w="19050" cap="flat" cmpd="sng">
+            <a:solidFill>
+              <a:schemeClr val="accent1"/>
+            </a:solidFill>
+            <a:prstDash val="solid"/>
+            <a:miter lim="800000"/>
+            <a:headEnd type="none" w="sm" len="sm"/>
+            <a:tailEnd type="none" w="sm" len="sm"/>
+          </a:ln>
+        </p:spPr>
+      </p:cxnSp>
+      <p:sp>
+        <p:nvSpPr>
+          <p:cNvPr id="118" name="Google Shape;132;p1">
+            <a:extLst>
+              <a:ext uri="{FF2B5EF4-FFF2-40B4-BE49-F238E27FC236}">
+                <a16:creationId xmlns:a16="http://schemas.microsoft.com/office/drawing/2014/main" id="{3C000E86-3215-F8E7-1DE2-88240E88B53F}"/>
+              </a:ext>
+            </a:extLst>
+          </p:cNvPr>
+          <p:cNvSpPr txBox="1"/>
+          <p:nvPr/>
+        </p:nvSpPr>
+        <p:spPr>
+          <a:xfrm>
+            <a:off x="2024451" y="6198511"/>
+            <a:ext cx="916116" cy="246181"/>
+          </a:xfrm>
+          <a:prstGeom prst="rect">
+            <a:avLst/>
+          </a:prstGeom>
+          <a:noFill/>
           <a:ln>
+            <a:noFill/>
+          </a:ln>
+        </p:spPr>
+        <p:txBody>
+          <a:bodyPr spcFirstLastPara="1" wrap="square" lIns="91425" tIns="45700" rIns="91425" bIns="45700" anchor="t" anchorCtr="0">
+            <a:spAutoFit/>
+          </a:bodyPr>
+          <a:lstStyle/>
+          <a:p>
+            <a:pPr marL="0" marR="0" lvl="0" indent="0" algn="l" rtl="0">
+              <a:spcBef>
+                <a:spcPts val="0"/>
+              </a:spcBef>
+              <a:spcAft>
+                <a:spcPts val="0"/>
+              </a:spcAft>
+              <a:buNone/>
+            </a:pPr>
+            <a:r>
+              <a:rPr lang="ko-KR" altLang="en-US" sz="1000" dirty="0">
+                <a:solidFill>
+                  <a:schemeClr val="dk1"/>
+                </a:solidFill>
+                <a:latin typeface="Malgun Gothic"/>
+                <a:ea typeface="Malgun Gothic"/>
+                <a:cs typeface="Malgun Gothic"/>
+                <a:sym typeface="Malgun Gothic"/>
+              </a:rPr>
+              <a:t>노무담당</a:t>
+            </a:r>
+            <a:endParaRPr dirty="0"/>
+          </a:p>
+        </p:txBody>
+      </p:sp>
+      <p:cxnSp>
+        <p:nvCxnSpPr>
+          <p:cNvPr id="119" name="Google Shape;133;p1">
+            <a:extLst>
+              <a:ext uri="{FF2B5EF4-FFF2-40B4-BE49-F238E27FC236}">
+                <a16:creationId xmlns:a16="http://schemas.microsoft.com/office/drawing/2014/main" id="{81F1D1C8-7FD3-1683-3CB0-19E35B2B1D86}"/>
+              </a:ext>
+            </a:extLst>
+          </p:cNvPr>
+          <p:cNvCxnSpPr>
+            <a:cxnSpLocks/>
+          </p:cNvCxnSpPr>
+          <p:nvPr/>
+        </p:nvCxnSpPr>
+        <p:spPr>
+          <a:xfrm>
+            <a:off x="2780248" y="6397896"/>
+            <a:ext cx="2462542" cy="0"/>
+          </a:xfrm>
+          <a:prstGeom prst="straightConnector1">
+            <a:avLst/>
+          </a:prstGeom>
+          <a:noFill/>
+          <a:ln w="19050" cap="flat" cmpd="sng">
+            <a:solidFill>
+              <a:schemeClr val="accent1"/>
+            </a:solidFill>
+            <a:prstDash val="solid"/>
+            <a:miter lim="800000"/>
+            <a:headEnd type="none" w="sm" len="sm"/>
+            <a:tailEnd type="none" w="sm" len="sm"/>
+          </a:ln>
+        </p:spPr>
+      </p:cxnSp>
+      <p:sp>
+        <p:nvSpPr>
+          <p:cNvPr id="120" name="Google Shape;132;p1">
+            <a:extLst>
+              <a:ext uri="{FF2B5EF4-FFF2-40B4-BE49-F238E27FC236}">
+                <a16:creationId xmlns:a16="http://schemas.microsoft.com/office/drawing/2014/main" id="{0FE5BC28-61DE-B2C2-C79C-454B5466DA7D}"/>
+              </a:ext>
+            </a:extLst>
+          </p:cNvPr>
+          <p:cNvSpPr txBox="1"/>
+          <p:nvPr/>
+        </p:nvSpPr>
+        <p:spPr>
+          <a:xfrm>
+            <a:off x="1884118" y="5608290"/>
+            <a:ext cx="916116" cy="246181"/>
+          </a:xfrm>
+          <a:prstGeom prst="rect">
+            <a:avLst/>
+          </a:prstGeom>
+          <a:noFill/>
+          <a:ln>
+            <a:noFill/>
+          </a:ln>
+        </p:spPr>
+        <p:txBody>
+          <a:bodyPr spcFirstLastPara="1" wrap="square" lIns="91425" tIns="45700" rIns="91425" bIns="45700" anchor="t" anchorCtr="0">
+            <a:spAutoFit/>
+          </a:bodyPr>
+          <a:lstStyle/>
+          <a:p>
+            <a:pPr marL="0" marR="0" lvl="0" indent="0" algn="l" rtl="0">
+              <a:spcBef>
+                <a:spcPts val="0"/>
+              </a:spcBef>
+              <a:spcAft>
+                <a:spcPts val="0"/>
+              </a:spcAft>
+              <a:buNone/>
+            </a:pPr>
+            <a:r>
+              <a:rPr lang="ko-KR" altLang="en-US" sz="1000">
+                <a:solidFill>
+                  <a:schemeClr val="dk1"/>
+                </a:solidFill>
+                <a:latin typeface="Malgun Gothic"/>
+                <a:ea typeface="Malgun Gothic"/>
+                <a:cs typeface="Malgun Gothic"/>
+                <a:sym typeface="Malgun Gothic"/>
+              </a:rPr>
+              <a:t>컨설팅 분야</a:t>
+            </a:r>
+            <a:endParaRPr dirty="0"/>
+          </a:p>
+        </p:txBody>
+      </p:sp>
+      <p:cxnSp>
+        <p:nvCxnSpPr>
+          <p:cNvPr id="121" name="Google Shape;133;p1">
+            <a:extLst>
+              <a:ext uri="{FF2B5EF4-FFF2-40B4-BE49-F238E27FC236}">
+                <a16:creationId xmlns:a16="http://schemas.microsoft.com/office/drawing/2014/main" id="{0FA25942-85EF-9696-1DD0-7B03E3C973D7}"/>
+              </a:ext>
+            </a:extLst>
+          </p:cNvPr>
+          <p:cNvCxnSpPr>
+            <a:cxnSpLocks/>
+          </p:cNvCxnSpPr>
+          <p:nvPr/>
+        </p:nvCxnSpPr>
+        <p:spPr>
+          <a:xfrm>
+            <a:off x="2741818" y="5819491"/>
+            <a:ext cx="2462542" cy="0"/>
+          </a:xfrm>
+          <a:prstGeom prst="straightConnector1">
+            <a:avLst/>
+          </a:prstGeom>
+          <a:noFill/>
+          <a:ln w="19050" cap="flat" cmpd="sng">
+            <a:solidFill>
+              <a:schemeClr val="accent1"/>
+            </a:solidFill>
+            <a:prstDash val="solid"/>
+            <a:miter lim="800000"/>
+            <a:headEnd type="none" w="sm" len="sm"/>
+            <a:tailEnd type="none" w="sm" len="sm"/>
+          </a:ln>
+        </p:spPr>
+      </p:cxnSp>
+      <mc:AlternateContent xmlns:mc="http://schemas.openxmlformats.org/markup-compatibility/2006">
+        <mc:Choice xmlns:a14="http://schemas.microsoft.com/office/drawing/2010/main" Requires="a14">
+          <p:sp>
+            <p:nvSpPr>
+              <p:cNvPr id="122" name="TextBox 121">
+                <a:extLst>
+                  <a:ext uri="{FF2B5EF4-FFF2-40B4-BE49-F238E27FC236}">
+                    <a16:creationId xmlns:a16="http://schemas.microsoft.com/office/drawing/2014/main" id="{17E185BD-A65D-4603-0D9D-456CB4AA7787}"/>
+                  </a:ext>
+                </a:extLst>
+              </p:cNvPr>
+              <p:cNvSpPr txBox="1"/>
+              <p:nvPr/>
+            </p:nvSpPr>
+            <p:spPr>
+              <a:xfrm>
+                <a:off x="4984748" y="5542492"/>
+                <a:ext cx="219612" cy="276999"/>
+              </a:xfrm>
+              <a:prstGeom prst="rect">
+                <a:avLst/>
+              </a:prstGeom>
+              <a:noFill/>
+            </p:spPr>
+            <p:txBody>
+              <a:bodyPr wrap="none" lIns="0" tIns="0" rIns="0" bIns="0" rtlCol="0">
+                <a:spAutoFit/>
+              </a:bodyPr>
+              <a:lstStyle/>
+              <a:p>
+                <a14:m>
+                  <m:oMathPara xmlns:m="http://schemas.openxmlformats.org/officeDocument/2006/math">
+                    <m:oMathParaPr>
+                      <m:jc m:val="centerGroup"/>
+                    </m:oMathParaPr>
+                    <m:oMath xmlns:m="http://schemas.openxmlformats.org/officeDocument/2006/math">
+                      <m:r>
+                        <m:rPr>
+                          <m:sty m:val="p"/>
+                        </m:rPr>
+                        <a:rPr lang="ko-KR" altLang="en-US" i="1" smtClean="0">
+                          <a:latin typeface="Cambria Math" panose="02040503050406030204" pitchFamily="18" charset="0"/>
+                        </a:rPr>
+                        <m:t>∇</m:t>
+                      </m:r>
+                    </m:oMath>
+                  </m:oMathPara>
+                </a14:m>
+                <a:endParaRPr lang="ko-KR" altLang="en-US" dirty="0"/>
+              </a:p>
+            </p:txBody>
+          </p:sp>
+        </mc:Choice>
+        <mc:Fallback>
+          <p:sp>
+            <p:nvSpPr>
+              <p:cNvPr id="122" name="TextBox 121">
+                <a:extLst>
+                  <a:ext uri="{FF2B5EF4-FFF2-40B4-BE49-F238E27FC236}">
+                    <a16:creationId xmlns:a16="http://schemas.microsoft.com/office/drawing/2014/main" id="{17E185BD-A65D-4603-0D9D-456CB4AA7787}"/>
+                  </a:ext>
+                </a:extLst>
+              </p:cNvPr>
+              <p:cNvSpPr txBox="1">
+                <a:spLocks noRot="1" noChangeAspect="1" noMove="1" noResize="1" noEditPoints="1" noAdjustHandles="1" noChangeArrowheads="1" noChangeShapeType="1" noTextEdit="1"/>
+              </p:cNvSpPr>
+              <p:nvPr/>
+            </p:nvSpPr>
+            <p:spPr>
+              <a:xfrm>
+                <a:off x="4984748" y="5542492"/>
+                <a:ext cx="219612" cy="276999"/>
+              </a:xfrm>
+              <a:prstGeom prst="rect">
+                <a:avLst/>
+              </a:prstGeom>
+              <a:blipFill>
+                <a:blip r:embed="rId9"/>
+                <a:stretch>
+                  <a:fillRect l="-19444" r="-19444" b="-10870"/>
+                </a:stretch>
+              </a:blipFill>
+            </p:spPr>
+            <p:txBody>
+              <a:bodyPr/>
+              <a:lstStyle/>
+              <a:p>
+                <a:r>
+                  <a:rPr lang="ko-KR" altLang="en-US">
+                    <a:noFill/>
+                  </a:rPr>
+                  <a:t> </a:t>
+                </a:r>
+              </a:p>
+            </p:txBody>
+          </p:sp>
+        </mc:Fallback>
+      </mc:AlternateContent>
+    </p:spTree>
+    <p:extLst>
+      <p:ext uri="{BB962C8B-B14F-4D97-AF65-F5344CB8AC3E}">
+        <p14:creationId xmlns:p14="http://schemas.microsoft.com/office/powerpoint/2010/main" val="3528865701"/>
+      </p:ext>
+    </p:extLst>
+  </p:cSld>
+  <p:clrMapOvr>
+    <a:masterClrMapping/>
+  </p:clrMapOvr>
+</p:sld>
+</file>
+
+<file path=ppt/slides/slide3.xml><?xml version="1.0" encoding="utf-8"?>
+<p:sld xmlns:a="http://schemas.openxmlformats.org/drawingml/2006/main" xmlns:r="http://schemas.openxmlformats.org/officeDocument/2006/relationships" xmlns:p="http://schemas.openxmlformats.org/presentationml/2006/main">
+  <p:cSld>
+    <p:spTree>
+      <p:nvGrpSpPr>
+        <p:cNvPr id="1" name=""/>
+        <p:cNvGrpSpPr/>
+        <p:nvPr/>
+      </p:nvGrpSpPr>
+      <p:grpSpPr>
+        <a:xfrm>
+          <a:off x="0" y="0"/>
+          <a:ext cx="0" cy="0"/>
+          <a:chOff x="0" y="0"/>
+          <a:chExt cx="0" cy="0"/>
+        </a:xfrm>
+      </p:grpSpPr>
+      <p:sp>
+        <p:nvSpPr>
+          <p:cNvPr id="4" name="직사각형 3">
+            <a:extLst>
+              <a:ext uri="{FF2B5EF4-FFF2-40B4-BE49-F238E27FC236}">
+                <a16:creationId xmlns:a16="http://schemas.microsoft.com/office/drawing/2014/main" id="{52A3D7E8-DD29-7DEB-013D-52926F08BD56}"/>
+              </a:ext>
+            </a:extLst>
+          </p:cNvPr>
+          <p:cNvSpPr/>
+          <p:nvPr/>
+        </p:nvSpPr>
+        <p:spPr>
+          <a:xfrm>
+            <a:off x="1150880" y="203189"/>
+            <a:ext cx="1327913" cy="286438"/>
+          </a:xfrm>
+          <a:prstGeom prst="rect">
+            <a:avLst/>
+          </a:prstGeom>
+          <a:solidFill>
+            <a:schemeClr val="bg1"/>
+          </a:solidFill>
+          <a:ln>
+            <a:noFill/>
+          </a:ln>
+        </p:spPr>
+        <p:style>
+          <a:lnRef idx="2">
+            <a:schemeClr val="accent1">
+              <a:shade val="15000"/>
+            </a:schemeClr>
+          </a:lnRef>
+          <a:fillRef idx="1">
+            <a:schemeClr val="accent1"/>
+          </a:fillRef>
+          <a:effectRef idx="0">
+            <a:schemeClr val="accent1"/>
+          </a:effectRef>
+          <a:fontRef idx="minor">
+            <a:schemeClr val="lt1"/>
+          </a:fontRef>
+        </p:style>
+        <p:txBody>
+          <a:bodyPr rtlCol="0" anchor="ctr"/>
+          <a:lstStyle/>
+          <a:p>
+            <a:pPr marL="171450" indent="-171450" algn="ctr">
+              <a:buFont typeface="Arial" panose="020B0604020202020204" pitchFamily="34" charset="0"/>
+              <a:buChar char="•"/>
+            </a:pPr>
+            <a:r>
+              <a:rPr lang="ko-KR" altLang="en-US" sz="1200" dirty="0">
+                <a:solidFill>
+                  <a:schemeClr val="accent1">
+                    <a:lumMod val="75000"/>
+                  </a:schemeClr>
+                </a:solidFill>
+              </a:rPr>
+              <a:t>계약 관리</a:t>
+            </a:r>
+          </a:p>
+        </p:txBody>
+      </p:sp>
+      <p:pic>
+        <p:nvPicPr>
+          <p:cNvPr id="5" name="그림 4">
+            <a:extLst>
+              <a:ext uri="{FF2B5EF4-FFF2-40B4-BE49-F238E27FC236}">
+                <a16:creationId xmlns:a16="http://schemas.microsoft.com/office/drawing/2014/main" id="{92E1D40E-A6D5-4548-33C7-B5A06BB77534}"/>
+              </a:ext>
+            </a:extLst>
+          </p:cNvPr>
+          <p:cNvPicPr>
+            <a:picLocks noChangeAspect="1"/>
+          </p:cNvPicPr>
+          <p:nvPr/>
+        </p:nvPicPr>
+        <p:blipFill>
+          <a:blip r:embed="rId2"/>
+          <a:stretch>
+            <a:fillRect/>
+          </a:stretch>
+        </p:blipFill>
+        <p:spPr>
+          <a:xfrm>
+            <a:off x="1150880" y="776065"/>
+            <a:ext cx="10086325" cy="423983"/>
+          </a:xfrm>
+          <a:prstGeom prst="rect">
+            <a:avLst/>
+          </a:prstGeom>
+        </p:spPr>
+      </p:pic>
+      <p:pic>
+        <p:nvPicPr>
+          <p:cNvPr id="6" name="그림 5">
+            <a:extLst>
+              <a:ext uri="{FF2B5EF4-FFF2-40B4-BE49-F238E27FC236}">
+                <a16:creationId xmlns:a16="http://schemas.microsoft.com/office/drawing/2014/main" id="{0F825701-E3C7-C40C-AC88-F4418336FE4B}"/>
+              </a:ext>
+            </a:extLst>
+          </p:cNvPr>
+          <p:cNvPicPr>
+            <a:picLocks noChangeAspect="1"/>
+          </p:cNvPicPr>
+          <p:nvPr/>
+        </p:nvPicPr>
+        <p:blipFill>
+          <a:blip r:embed="rId3"/>
+          <a:stretch>
+            <a:fillRect/>
+          </a:stretch>
+        </p:blipFill>
+        <p:spPr>
+          <a:xfrm>
+            <a:off x="11160085" y="791843"/>
+            <a:ext cx="925415" cy="396606"/>
+          </a:xfrm>
+          <a:prstGeom prst="rect">
+            <a:avLst/>
+          </a:prstGeom>
+        </p:spPr>
+      </p:pic>
+      <p:sp>
+        <p:nvSpPr>
+          <p:cNvPr id="7" name="Google Shape;137;p1">
+            <a:extLst>
+              <a:ext uri="{FF2B5EF4-FFF2-40B4-BE49-F238E27FC236}">
+                <a16:creationId xmlns:a16="http://schemas.microsoft.com/office/drawing/2014/main" id="{21F1EFAB-77A4-C8CE-A73F-B9C92F9A02FD}"/>
+              </a:ext>
+            </a:extLst>
+          </p:cNvPr>
+          <p:cNvSpPr/>
+          <p:nvPr/>
+        </p:nvSpPr>
+        <p:spPr>
+          <a:xfrm>
+            <a:off x="1239068" y="536754"/>
+            <a:ext cx="879443" cy="192184"/>
+          </a:xfrm>
+          <a:prstGeom prst="roundRect">
+            <a:avLst>
+              <a:gd name="adj" fmla="val 16667"/>
+            </a:avLst>
+          </a:prstGeom>
+          <a:solidFill>
+            <a:srgbClr val="BEF2C7"/>
+          </a:solidFill>
+          <a:ln w="19050" cap="flat" cmpd="sng">
+            <a:solidFill>
+              <a:srgbClr val="082836"/>
+            </a:solidFill>
+            <a:prstDash val="solid"/>
+            <a:miter lim="800000"/>
+            <a:headEnd type="none" w="sm" len="sm"/>
+            <a:tailEnd type="none" w="sm" len="sm"/>
+          </a:ln>
+        </p:spPr>
+        <p:txBody>
+          <a:bodyPr spcFirstLastPara="1" wrap="square" lIns="91425" tIns="45700" rIns="91425" bIns="45700" anchor="ctr" anchorCtr="0">
+            <a:noAutofit/>
+          </a:bodyPr>
+          <a:lstStyle/>
+          <a:p>
+            <a:pPr marL="0" marR="0" lvl="0" indent="0" algn="ctr" rtl="0">
+              <a:spcBef>
+                <a:spcPts val="0"/>
+              </a:spcBef>
+              <a:spcAft>
+                <a:spcPts val="0"/>
+              </a:spcAft>
+              <a:buNone/>
+            </a:pPr>
+            <a:r>
+              <a:rPr lang="ko-KR" altLang="en-US" sz="1000" b="1">
+                <a:solidFill>
+                  <a:schemeClr val="dk1"/>
+                </a:solidFill>
+                <a:latin typeface="Malgun Gothic"/>
+                <a:ea typeface="Malgun Gothic"/>
+                <a:cs typeface="Malgun Gothic"/>
+                <a:sym typeface="Malgun Gothic"/>
+              </a:rPr>
+              <a:t>계약 등록</a:t>
+            </a:r>
+            <a:endParaRPr sz="1000" dirty="0"/>
+          </a:p>
+        </p:txBody>
+      </p:sp>
+      <p:pic>
+        <p:nvPicPr>
+          <p:cNvPr id="8" name="그림 7">
+            <a:extLst>
+              <a:ext uri="{FF2B5EF4-FFF2-40B4-BE49-F238E27FC236}">
+                <a16:creationId xmlns:a16="http://schemas.microsoft.com/office/drawing/2014/main" id="{5242F7AB-7C3F-FBEE-E636-BAC7C2EB8EDC}"/>
+              </a:ext>
+            </a:extLst>
+          </p:cNvPr>
+          <p:cNvPicPr>
+            <a:picLocks noChangeAspect="1"/>
+          </p:cNvPicPr>
+          <p:nvPr/>
+        </p:nvPicPr>
+        <p:blipFill>
+          <a:blip r:embed="rId4"/>
+          <a:stretch>
+            <a:fillRect/>
+          </a:stretch>
+        </p:blipFill>
+        <p:spPr>
+          <a:xfrm>
+            <a:off x="10090745" y="1922034"/>
+            <a:ext cx="1000265" cy="323895"/>
+          </a:xfrm>
+          <a:prstGeom prst="rect">
+            <a:avLst/>
+          </a:prstGeom>
+        </p:spPr>
+      </p:pic>
+      <p:pic>
+        <p:nvPicPr>
+          <p:cNvPr id="9" name="그림 8">
+            <a:extLst>
+              <a:ext uri="{FF2B5EF4-FFF2-40B4-BE49-F238E27FC236}">
+                <a16:creationId xmlns:a16="http://schemas.microsoft.com/office/drawing/2014/main" id="{828AAD2B-142E-3D0C-2DDD-31F9AC1C1E96}"/>
+              </a:ext>
+            </a:extLst>
+          </p:cNvPr>
+          <p:cNvPicPr>
+            <a:picLocks noChangeAspect="1"/>
+          </p:cNvPicPr>
+          <p:nvPr/>
+        </p:nvPicPr>
+        <p:blipFill>
+          <a:blip r:embed="rId5"/>
+          <a:stretch>
+            <a:fillRect/>
+          </a:stretch>
+        </p:blipFill>
+        <p:spPr>
+          <a:xfrm>
+            <a:off x="11104288" y="485188"/>
+            <a:ext cx="981212" cy="295316"/>
+          </a:xfrm>
+          <a:prstGeom prst="rect">
+            <a:avLst/>
+          </a:prstGeom>
+        </p:spPr>
+      </p:pic>
+      <p:grpSp>
+        <p:nvGrpSpPr>
+          <p:cNvPr id="10" name="Google Shape;127;p1">
+            <a:extLst>
+              <a:ext uri="{FF2B5EF4-FFF2-40B4-BE49-F238E27FC236}">
+                <a16:creationId xmlns:a16="http://schemas.microsoft.com/office/drawing/2014/main" id="{89236155-FDB3-749E-B761-5EC222A601E7}"/>
+              </a:ext>
+            </a:extLst>
+          </p:cNvPr>
+          <p:cNvGrpSpPr/>
+          <p:nvPr/>
+        </p:nvGrpSpPr>
+        <p:grpSpPr>
+          <a:xfrm>
+            <a:off x="1679037" y="1352333"/>
+            <a:ext cx="3854377" cy="5302478"/>
+            <a:chOff x="1576030" y="1542825"/>
+            <a:chExt cx="6656831" cy="4419063"/>
+          </a:xfrm>
+        </p:grpSpPr>
+        <p:sp>
+          <p:nvSpPr>
+            <p:cNvPr id="11" name="Google Shape;128;p1">
+              <a:extLst>
+                <a:ext uri="{FF2B5EF4-FFF2-40B4-BE49-F238E27FC236}">
+                  <a16:creationId xmlns:a16="http://schemas.microsoft.com/office/drawing/2014/main" id="{F8ACFA35-EC76-2BE2-CA92-220B2267231E}"/>
+                </a:ext>
+              </a:extLst>
+            </p:cNvPr>
+            <p:cNvSpPr/>
+            <p:nvPr/>
+          </p:nvSpPr>
+          <p:spPr>
+            <a:xfrm>
+              <a:off x="1576032" y="1820272"/>
+              <a:ext cx="6653567" cy="4141616"/>
+            </a:xfrm>
+            <a:prstGeom prst="rect">
+              <a:avLst/>
+            </a:prstGeom>
+            <a:noFill/>
+            <a:ln w="19050" cap="flat" cmpd="sng">
+              <a:solidFill>
+                <a:srgbClr val="082836"/>
+              </a:solidFill>
+              <a:prstDash val="solid"/>
+              <a:miter lim="800000"/>
+              <a:headEnd type="none" w="sm" len="sm"/>
+              <a:tailEnd type="none" w="sm" len="sm"/>
+            </a:ln>
+          </p:spPr>
+          <p:txBody>
+            <a:bodyPr spcFirstLastPara="1" wrap="square" lIns="91425" tIns="45700" rIns="91425" bIns="45700" anchor="ctr" anchorCtr="0">
+              <a:noAutofit/>
+            </a:bodyPr>
+            <a:lstStyle/>
+            <a:p>
+              <a:pPr marL="0" marR="0" lvl="0" indent="0" algn="ctr" rtl="0">
+                <a:spcBef>
+                  <a:spcPts val="0"/>
+                </a:spcBef>
+                <a:spcAft>
+                  <a:spcPts val="0"/>
+                </a:spcAft>
+                <a:buNone/>
+              </a:pPr>
+              <a:endParaRPr sz="1400">
+                <a:solidFill>
+                  <a:schemeClr val="lt1"/>
+                </a:solidFill>
+                <a:latin typeface="Malgun Gothic"/>
+                <a:ea typeface="Malgun Gothic"/>
+                <a:cs typeface="Malgun Gothic"/>
+                <a:sym typeface="Malgun Gothic"/>
+              </a:endParaRPr>
+            </a:p>
+          </p:txBody>
+        </p:sp>
+        <p:grpSp>
+          <p:nvGrpSpPr>
+            <p:cNvPr id="12" name="Google Shape;129;p1">
+              <a:extLst>
+                <a:ext uri="{FF2B5EF4-FFF2-40B4-BE49-F238E27FC236}">
+                  <a16:creationId xmlns:a16="http://schemas.microsoft.com/office/drawing/2014/main" id="{6C1B4F10-6348-2E9E-1DA0-5BDB30B4C8A4}"/>
+                </a:ext>
+              </a:extLst>
+            </p:cNvPr>
+            <p:cNvGrpSpPr/>
+            <p:nvPr/>
+          </p:nvGrpSpPr>
+          <p:grpSpPr>
+            <a:xfrm>
+              <a:off x="1576030" y="1542825"/>
+              <a:ext cx="6656831" cy="509358"/>
+              <a:chOff x="1576030" y="1542825"/>
+              <a:chExt cx="6656831" cy="509358"/>
+            </a:xfrm>
+          </p:grpSpPr>
+          <p:sp>
+            <p:nvSpPr>
+              <p:cNvPr id="13" name="Google Shape;130;p1">
+                <a:extLst>
+                  <a:ext uri="{FF2B5EF4-FFF2-40B4-BE49-F238E27FC236}">
+                    <a16:creationId xmlns:a16="http://schemas.microsoft.com/office/drawing/2014/main" id="{45BE38CE-6E44-A75A-A904-02C3F4694C04}"/>
+                  </a:ext>
+                </a:extLst>
+              </p:cNvPr>
+              <p:cNvSpPr/>
+              <p:nvPr/>
+            </p:nvSpPr>
+            <p:spPr>
+              <a:xfrm>
+                <a:off x="1576030" y="1551350"/>
+                <a:ext cx="6656831" cy="295490"/>
+              </a:xfrm>
+              <a:prstGeom prst="rect">
+                <a:avLst/>
+              </a:prstGeom>
+              <a:solidFill>
+                <a:srgbClr val="C0E4F5"/>
+              </a:solidFill>
+              <a:ln w="19050" cap="flat" cmpd="sng">
+                <a:solidFill>
+                  <a:srgbClr val="082836"/>
+                </a:solidFill>
+                <a:prstDash val="solid"/>
+                <a:miter lim="800000"/>
+                <a:headEnd type="none" w="sm" len="sm"/>
+                <a:tailEnd type="none" w="sm" len="sm"/>
+              </a:ln>
+            </p:spPr>
+            <p:txBody>
+              <a:bodyPr spcFirstLastPara="1" wrap="square" lIns="91425" tIns="45700" rIns="91425" bIns="45700" anchor="ctr" anchorCtr="0">
+                <a:noAutofit/>
+              </a:bodyPr>
+              <a:lstStyle/>
+              <a:p>
+                <a:pPr marL="0" marR="0" lvl="0" indent="0" algn="ctr" rtl="0">
+                  <a:spcBef>
+                    <a:spcPts val="0"/>
+                  </a:spcBef>
+                  <a:spcAft>
+                    <a:spcPts val="0"/>
+                  </a:spcAft>
+                  <a:buNone/>
+                </a:pPr>
+                <a:endParaRPr sz="1400">
+                  <a:solidFill>
+                    <a:srgbClr val="C0E4F5"/>
+                  </a:solidFill>
+                  <a:latin typeface="Malgun Gothic"/>
+                  <a:ea typeface="Malgun Gothic"/>
+                  <a:cs typeface="Malgun Gothic"/>
+                  <a:sym typeface="Malgun Gothic"/>
+                </a:endParaRPr>
+              </a:p>
+            </p:txBody>
+          </p:sp>
+          <p:sp>
+            <p:nvSpPr>
+              <p:cNvPr id="14" name="Google Shape;131;p1">
+                <a:extLst>
+                  <a:ext uri="{FF2B5EF4-FFF2-40B4-BE49-F238E27FC236}">
+                    <a16:creationId xmlns:a16="http://schemas.microsoft.com/office/drawing/2014/main" id="{7EAE86B9-BAB7-E40F-37DC-E1FD62790B26}"/>
+                  </a:ext>
+                </a:extLst>
+              </p:cNvPr>
+              <p:cNvSpPr txBox="1"/>
+              <p:nvPr/>
+            </p:nvSpPr>
+            <p:spPr>
+              <a:xfrm>
+                <a:off x="1854356" y="1542825"/>
+                <a:ext cx="2099284" cy="509358"/>
+              </a:xfrm>
+              <a:prstGeom prst="rect">
+                <a:avLst/>
+              </a:prstGeom>
+              <a:noFill/>
+              <a:ln>
+                <a:noFill/>
+              </a:ln>
+            </p:spPr>
+            <p:txBody>
+              <a:bodyPr spcFirstLastPara="1" wrap="square" lIns="91425" tIns="45700" rIns="91425" bIns="45700" anchor="t" anchorCtr="0">
+                <a:spAutoFit/>
+              </a:bodyPr>
+              <a:lstStyle/>
+              <a:p>
+                <a:pPr marL="0" marR="0" lvl="0" indent="0" algn="l" rtl="0">
+                  <a:spcBef>
+                    <a:spcPts val="0"/>
+                  </a:spcBef>
+                  <a:spcAft>
+                    <a:spcPts val="0"/>
+                  </a:spcAft>
+                  <a:buNone/>
+                </a:pPr>
+                <a:r>
+                  <a:rPr lang="ko-KR" altLang="en-US" dirty="0"/>
+                  <a:t>계약 등록</a:t>
+                </a:r>
+                <a:endParaRPr dirty="0"/>
+              </a:p>
+            </p:txBody>
+          </p:sp>
+        </p:grpSp>
+      </p:grpSp>
+      <p:sp>
+        <p:nvSpPr>
+          <p:cNvPr id="16" name="Google Shape;137;p1">
+            <a:extLst>
+              <a:ext uri="{FF2B5EF4-FFF2-40B4-BE49-F238E27FC236}">
+                <a16:creationId xmlns:a16="http://schemas.microsoft.com/office/drawing/2014/main" id="{EEA52F75-E4A7-F15C-69AB-D37CC83C05C3}"/>
+              </a:ext>
+            </a:extLst>
+          </p:cNvPr>
+          <p:cNvSpPr/>
+          <p:nvPr/>
+        </p:nvSpPr>
+        <p:spPr>
+          <a:xfrm>
+            <a:off x="2561203" y="6155164"/>
+            <a:ext cx="916115" cy="269232"/>
+          </a:xfrm>
+          <a:prstGeom prst="roundRect">
+            <a:avLst>
+              <a:gd name="adj" fmla="val 16667"/>
+            </a:avLst>
+          </a:prstGeom>
+          <a:solidFill>
+            <a:srgbClr val="BEF2C7"/>
+          </a:solidFill>
+          <a:ln w="19050" cap="flat" cmpd="sng">
+            <a:solidFill>
+              <a:srgbClr val="082836"/>
+            </a:solidFill>
+            <a:prstDash val="solid"/>
+            <a:miter lim="800000"/>
+            <a:headEnd type="none" w="sm" len="sm"/>
+            <a:tailEnd type="none" w="sm" len="sm"/>
+          </a:ln>
+        </p:spPr>
+        <p:txBody>
+          <a:bodyPr spcFirstLastPara="1" wrap="square" lIns="91425" tIns="45700" rIns="91425" bIns="45700" anchor="ctr" anchorCtr="0">
+            <a:noAutofit/>
+          </a:bodyPr>
+          <a:lstStyle/>
+          <a:p>
+            <a:pPr marL="0" marR="0" lvl="0" indent="0" algn="ctr" rtl="0">
+              <a:spcBef>
+                <a:spcPts val="0"/>
+              </a:spcBef>
+              <a:spcAft>
+                <a:spcPts val="0"/>
+              </a:spcAft>
+              <a:buNone/>
+            </a:pPr>
+            <a:r>
+              <a:rPr lang="ko-KR" altLang="en-US" sz="1200" b="1">
+                <a:solidFill>
+                  <a:schemeClr val="dk1"/>
+                </a:solidFill>
+                <a:latin typeface="Malgun Gothic"/>
+                <a:ea typeface="Malgun Gothic"/>
+                <a:cs typeface="Malgun Gothic"/>
+                <a:sym typeface="Malgun Gothic"/>
+              </a:rPr>
+              <a:t>등록</a:t>
+            </a:r>
+            <a:endParaRPr dirty="0"/>
+          </a:p>
+        </p:txBody>
+      </p:sp>
+      <p:sp>
+        <p:nvSpPr>
+          <p:cNvPr id="23" name="Google Shape;137;p1">
+            <a:extLst>
+              <a:ext uri="{FF2B5EF4-FFF2-40B4-BE49-F238E27FC236}">
+                <a16:creationId xmlns:a16="http://schemas.microsoft.com/office/drawing/2014/main" id="{158252E5-62D1-FFA9-3096-48F16788D07B}"/>
+              </a:ext>
+            </a:extLst>
+          </p:cNvPr>
+          <p:cNvSpPr/>
+          <p:nvPr/>
+        </p:nvSpPr>
+        <p:spPr>
+          <a:xfrm>
+            <a:off x="3716219" y="6155164"/>
+            <a:ext cx="916115" cy="269232"/>
+          </a:xfrm>
+          <a:prstGeom prst="roundRect">
+            <a:avLst>
+              <a:gd name="adj" fmla="val 16667"/>
+            </a:avLst>
+          </a:prstGeom>
+          <a:solidFill>
+            <a:srgbClr val="BEF2C7"/>
+          </a:solidFill>
+          <a:ln w="19050" cap="flat" cmpd="sng">
+            <a:solidFill>
+              <a:srgbClr val="082836"/>
+            </a:solidFill>
+            <a:prstDash val="solid"/>
+            <a:miter lim="800000"/>
+            <a:headEnd type="none" w="sm" len="sm"/>
+            <a:tailEnd type="none" w="sm" len="sm"/>
+          </a:ln>
+        </p:spPr>
+        <p:txBody>
+          <a:bodyPr spcFirstLastPara="1" wrap="square" lIns="91425" tIns="45700" rIns="91425" bIns="45700" anchor="ctr" anchorCtr="0">
+            <a:noAutofit/>
+          </a:bodyPr>
+          <a:lstStyle/>
+          <a:p>
+            <a:pPr marL="0" marR="0" lvl="0" indent="0" algn="ctr" rtl="0">
+              <a:spcBef>
+                <a:spcPts val="0"/>
+              </a:spcBef>
+              <a:spcAft>
+                <a:spcPts val="0"/>
+              </a:spcAft>
+              <a:buNone/>
+            </a:pPr>
+            <a:r>
+              <a:rPr lang="ko-KR" altLang="en-US" sz="1200" b="1" dirty="0">
+                <a:solidFill>
+                  <a:schemeClr val="dk1"/>
+                </a:solidFill>
+                <a:latin typeface="Malgun Gothic"/>
+                <a:ea typeface="Malgun Gothic"/>
+                <a:cs typeface="Malgun Gothic"/>
+                <a:sym typeface="Malgun Gothic"/>
+              </a:rPr>
+              <a:t>취소</a:t>
+            </a:r>
+            <a:endParaRPr dirty="0"/>
+          </a:p>
+        </p:txBody>
+      </p:sp>
+      <p:cxnSp>
+        <p:nvCxnSpPr>
+          <p:cNvPr id="24" name="직선 화살표 연결선 23">
+            <a:extLst>
+              <a:ext uri="{FF2B5EF4-FFF2-40B4-BE49-F238E27FC236}">
+                <a16:creationId xmlns:a16="http://schemas.microsoft.com/office/drawing/2014/main" id="{65E3FAB1-BE06-0A2B-FB94-B01C1554346A}"/>
+              </a:ext>
+            </a:extLst>
+          </p:cNvPr>
+          <p:cNvCxnSpPr>
+            <a:cxnSpLocks/>
+          </p:cNvCxnSpPr>
+          <p:nvPr/>
+        </p:nvCxnSpPr>
+        <p:spPr>
+          <a:xfrm>
+            <a:off x="1814836" y="776065"/>
+            <a:ext cx="303675" cy="491050"/>
+          </a:xfrm>
+          <a:prstGeom prst="straightConnector1">
+            <a:avLst/>
+          </a:prstGeom>
+          <a:ln w="28575">
             <a:solidFill>
               <a:srgbClr val="FF0000"/>
             </a:solidFill>
@@ -7677,49 +8664,1781 @@
           </a:fontRef>
         </p:style>
       </p:cxnSp>
-      <p:sp>
-        <p:nvSpPr>
-          <p:cNvPr id="114" name="TextBox 113">
-            <a:extLst>
-              <a:ext uri="{FF2B5EF4-FFF2-40B4-BE49-F238E27FC236}">
-                <a16:creationId xmlns:a16="http://schemas.microsoft.com/office/drawing/2014/main" id="{33F512FA-A932-80A5-51ED-67BCA9CEE6CD}"/>
-              </a:ext>
-            </a:extLst>
-          </p:cNvPr>
-          <p:cNvSpPr txBox="1"/>
-          <p:nvPr/>
-        </p:nvSpPr>
-        <p:spPr>
-          <a:xfrm>
-            <a:off x="3968908" y="1826088"/>
-            <a:ext cx="742511" cy="246221"/>
+      <p:cxnSp>
+        <p:nvCxnSpPr>
+          <p:cNvPr id="72" name="직선 연결선 71">
+            <a:extLst>
+              <a:ext uri="{FF2B5EF4-FFF2-40B4-BE49-F238E27FC236}">
+                <a16:creationId xmlns:a16="http://schemas.microsoft.com/office/drawing/2014/main" id="{77768AD8-8EDE-22C3-0E74-1C4FE2A0AB4A}"/>
+              </a:ext>
+            </a:extLst>
+          </p:cNvPr>
+          <p:cNvCxnSpPr/>
+          <p:nvPr/>
+        </p:nvCxnSpPr>
+        <p:spPr>
+          <a:xfrm>
+            <a:off x="1840191" y="2139468"/>
+            <a:ext cx="3654469" cy="0"/>
+          </a:xfrm>
+          <a:prstGeom prst="line">
+            <a:avLst/>
+          </a:prstGeom>
+        </p:spPr>
+        <p:style>
+          <a:lnRef idx="1">
+            <a:schemeClr val="accent1"/>
+          </a:lnRef>
+          <a:fillRef idx="0">
+            <a:schemeClr val="accent1"/>
+          </a:fillRef>
+          <a:effectRef idx="0">
+            <a:schemeClr val="accent1"/>
+          </a:effectRef>
+          <a:fontRef idx="minor">
+            <a:schemeClr val="tx1"/>
+          </a:fontRef>
+        </p:style>
+      </p:cxnSp>
+      <p:sp>
+        <p:nvSpPr>
+          <p:cNvPr id="73" name="직사각형 72">
+            <a:extLst>
+              <a:ext uri="{FF2B5EF4-FFF2-40B4-BE49-F238E27FC236}">
+                <a16:creationId xmlns:a16="http://schemas.microsoft.com/office/drawing/2014/main" id="{D92C997A-4F25-B326-0C2D-9463963249AA}"/>
+              </a:ext>
+            </a:extLst>
+          </p:cNvPr>
+          <p:cNvSpPr/>
+          <p:nvPr/>
+        </p:nvSpPr>
+        <p:spPr>
+          <a:xfrm>
+            <a:off x="1823226" y="1920366"/>
+            <a:ext cx="737977" cy="208486"/>
           </a:xfrm>
           <a:prstGeom prst="rect">
             <a:avLst/>
           </a:prstGeom>
+          <a:solidFill>
+            <a:schemeClr val="bg1"/>
+          </a:solidFill>
+        </p:spPr>
+        <p:style>
+          <a:lnRef idx="2">
+            <a:schemeClr val="accent1">
+              <a:shade val="15000"/>
+            </a:schemeClr>
+          </a:lnRef>
+          <a:fillRef idx="1">
+            <a:schemeClr val="accent1"/>
+          </a:fillRef>
+          <a:effectRef idx="0">
+            <a:schemeClr val="accent1"/>
+          </a:effectRef>
+          <a:fontRef idx="minor">
+            <a:schemeClr val="lt1"/>
+          </a:fontRef>
+        </p:style>
+        <p:txBody>
+          <a:bodyPr rtlCol="0" anchor="ctr"/>
+          <a:lstStyle/>
+          <a:p>
+            <a:pPr algn="ctr"/>
+            <a:r>
+              <a:rPr lang="ko-KR" altLang="en-US" sz="1000" dirty="0">
+                <a:solidFill>
+                  <a:schemeClr val="tx1"/>
+                </a:solidFill>
+              </a:rPr>
+              <a:t>계약정보</a:t>
+            </a:r>
+          </a:p>
+        </p:txBody>
+      </p:sp>
+      <p:sp>
+        <p:nvSpPr>
+          <p:cNvPr id="74" name="직사각형 73">
+            <a:extLst>
+              <a:ext uri="{FF2B5EF4-FFF2-40B4-BE49-F238E27FC236}">
+                <a16:creationId xmlns:a16="http://schemas.microsoft.com/office/drawing/2014/main" id="{F030EF77-5BA3-7DAE-DB1C-C124D3EB857C}"/>
+              </a:ext>
+            </a:extLst>
+          </p:cNvPr>
+          <p:cNvSpPr/>
+          <p:nvPr/>
+        </p:nvSpPr>
+        <p:spPr>
+          <a:xfrm>
+            <a:off x="2551872" y="1923613"/>
+            <a:ext cx="853801" cy="203767"/>
+          </a:xfrm>
+          <a:prstGeom prst="rect">
+            <a:avLst/>
+          </a:prstGeom>
+          <a:solidFill>
+            <a:schemeClr val="tx2">
+              <a:lumMod val="20000"/>
+              <a:lumOff val="80000"/>
+            </a:schemeClr>
+          </a:solidFill>
+        </p:spPr>
+        <p:style>
+          <a:lnRef idx="2">
+            <a:schemeClr val="accent1">
+              <a:shade val="15000"/>
+            </a:schemeClr>
+          </a:lnRef>
+          <a:fillRef idx="1">
+            <a:schemeClr val="accent1"/>
+          </a:fillRef>
+          <a:effectRef idx="0">
+            <a:schemeClr val="accent1"/>
+          </a:effectRef>
+          <a:fontRef idx="minor">
+            <a:schemeClr val="lt1"/>
+          </a:fontRef>
+        </p:style>
+        <p:txBody>
+          <a:bodyPr rtlCol="0" anchor="ctr"/>
+          <a:lstStyle/>
+          <a:p>
+            <a:pPr algn="ctr"/>
+            <a:r>
+              <a:rPr lang="ko-KR" altLang="en-US" sz="1000" dirty="0">
+                <a:solidFill>
+                  <a:schemeClr val="tx1"/>
+                </a:solidFill>
+              </a:rPr>
+              <a:t>관련자정보</a:t>
+            </a:r>
+          </a:p>
+        </p:txBody>
+      </p:sp>
+      <p:sp>
+        <p:nvSpPr>
+          <p:cNvPr id="84" name="Google Shape;132;p1">
+            <a:extLst>
+              <a:ext uri="{FF2B5EF4-FFF2-40B4-BE49-F238E27FC236}">
+                <a16:creationId xmlns:a16="http://schemas.microsoft.com/office/drawing/2014/main" id="{DC16D18A-2E32-097A-A967-5E60C5F6C825}"/>
+              </a:ext>
+            </a:extLst>
+          </p:cNvPr>
+          <p:cNvSpPr txBox="1"/>
+          <p:nvPr/>
+        </p:nvSpPr>
+        <p:spPr>
+          <a:xfrm>
+            <a:off x="1840191" y="2179990"/>
+            <a:ext cx="3392764" cy="246181"/>
+          </a:xfrm>
+          <a:prstGeom prst="rect">
+            <a:avLst/>
+          </a:prstGeom>
           <a:noFill/>
-        </p:spPr>
-        <p:txBody>
-          <a:bodyPr wrap="none" rtlCol="0">
+          <a:ln>
+            <a:noFill/>
+          </a:ln>
+        </p:spPr>
+        <p:txBody>
+          <a:bodyPr spcFirstLastPara="1" wrap="square" lIns="91425" tIns="45700" rIns="91425" bIns="45700" anchor="t" anchorCtr="0">
             <a:spAutoFit/>
           </a:bodyPr>
           <a:lstStyle/>
           <a:p>
+            <a:pPr marL="171450" marR="0" lvl="0" indent="-171450" algn="l" rtl="0">
+              <a:spcBef>
+                <a:spcPts val="0"/>
+              </a:spcBef>
+              <a:spcAft>
+                <a:spcPts val="0"/>
+              </a:spcAft>
+              <a:buFont typeface="Arial" panose="020B0604020202020204" pitchFamily="34" charset="0"/>
+              <a:buChar char="•"/>
+            </a:pPr>
             <a:r>
               <a:rPr lang="ko-KR" altLang="en-US" sz="1000" dirty="0">
                 <a:solidFill>
-                  <a:srgbClr val="FF0000"/>
+                  <a:schemeClr val="dk1"/>
                 </a:solidFill>
+                <a:latin typeface="Malgun Gothic"/>
+                <a:ea typeface="Malgun Gothic"/>
+                <a:cs typeface="Malgun Gothic"/>
+                <a:sym typeface="Malgun Gothic"/>
               </a:rPr>
-              <a:t>일단 보류</a:t>
-            </a:r>
+              <a:t>담당 컨설턴트 </a:t>
+            </a:r>
+            <a:r>
+              <a:rPr lang="en-US" altLang="ko-KR" sz="1000" dirty="0">
+                <a:solidFill>
+                  <a:schemeClr val="dk1"/>
+                </a:solidFill>
+                <a:latin typeface="Malgun Gothic"/>
+                <a:ea typeface="Malgun Gothic"/>
+                <a:cs typeface="Malgun Gothic"/>
+                <a:sym typeface="Malgun Gothic"/>
+              </a:rPr>
+              <a:t>: </a:t>
+            </a:r>
+            <a:r>
+              <a:rPr lang="ko-KR" altLang="en-US" sz="1000" dirty="0">
+                <a:solidFill>
+                  <a:schemeClr val="dk1"/>
+                </a:solidFill>
+                <a:latin typeface="Malgun Gothic"/>
+                <a:ea typeface="Malgun Gothic"/>
+                <a:cs typeface="Malgun Gothic"/>
+                <a:sym typeface="Malgun Gothic"/>
+              </a:rPr>
+              <a:t>위성열</a:t>
+            </a:r>
+            <a:r>
+              <a:rPr lang="en-US" altLang="ko-KR" sz="1000" dirty="0">
+                <a:solidFill>
+                  <a:schemeClr val="dk1"/>
+                </a:solidFill>
+                <a:latin typeface="Malgun Gothic"/>
+                <a:ea typeface="Malgun Gothic"/>
+                <a:cs typeface="Malgun Gothic"/>
+                <a:sym typeface="Malgun Gothic"/>
+              </a:rPr>
+              <a:t> </a:t>
+            </a:r>
+            <a:endParaRPr dirty="0"/>
+          </a:p>
+        </p:txBody>
+      </p:sp>
+      <p:cxnSp>
+        <p:nvCxnSpPr>
+          <p:cNvPr id="85" name="직선 연결선 84">
+            <a:extLst>
+              <a:ext uri="{FF2B5EF4-FFF2-40B4-BE49-F238E27FC236}">
+                <a16:creationId xmlns:a16="http://schemas.microsoft.com/office/drawing/2014/main" id="{74B70753-DA4D-0D8D-A39C-8F09C46A98F7}"/>
+              </a:ext>
+            </a:extLst>
+          </p:cNvPr>
+          <p:cNvCxnSpPr/>
+          <p:nvPr/>
+        </p:nvCxnSpPr>
+        <p:spPr>
+          <a:xfrm>
+            <a:off x="1859909" y="2481386"/>
+            <a:ext cx="3654469" cy="0"/>
+          </a:xfrm>
+          <a:prstGeom prst="line">
+            <a:avLst/>
+          </a:prstGeom>
+        </p:spPr>
+        <p:style>
+          <a:lnRef idx="1">
+            <a:schemeClr val="accent1"/>
+          </a:lnRef>
+          <a:fillRef idx="0">
+            <a:schemeClr val="accent1"/>
+          </a:fillRef>
+          <a:effectRef idx="0">
+            <a:schemeClr val="accent1"/>
+          </a:effectRef>
+          <a:fontRef idx="minor">
+            <a:schemeClr val="tx1"/>
+          </a:fontRef>
+        </p:style>
+      </p:cxnSp>
+      <p:sp>
+        <p:nvSpPr>
+          <p:cNvPr id="86" name="Google Shape;132;p1">
+            <a:extLst>
+              <a:ext uri="{FF2B5EF4-FFF2-40B4-BE49-F238E27FC236}">
+                <a16:creationId xmlns:a16="http://schemas.microsoft.com/office/drawing/2014/main" id="{FD41B635-9AA4-F61D-1669-EFB03B14E110}"/>
+              </a:ext>
+            </a:extLst>
+          </p:cNvPr>
+          <p:cNvSpPr txBox="1"/>
+          <p:nvPr/>
+        </p:nvSpPr>
+        <p:spPr>
+          <a:xfrm>
+            <a:off x="1859909" y="2550567"/>
+            <a:ext cx="3392764" cy="246181"/>
+          </a:xfrm>
+          <a:prstGeom prst="rect">
+            <a:avLst/>
+          </a:prstGeom>
+          <a:noFill/>
+          <a:ln>
+            <a:noFill/>
+          </a:ln>
+        </p:spPr>
+        <p:txBody>
+          <a:bodyPr spcFirstLastPara="1" wrap="square" lIns="91425" tIns="45700" rIns="91425" bIns="45700" anchor="t" anchorCtr="0">
+            <a:spAutoFit/>
+          </a:bodyPr>
+          <a:lstStyle/>
+          <a:p>
+            <a:pPr marL="171450" marR="0" lvl="0" indent="-171450" algn="l" rtl="0">
+              <a:spcBef>
+                <a:spcPts val="0"/>
+              </a:spcBef>
+              <a:spcAft>
+                <a:spcPts val="0"/>
+              </a:spcAft>
+              <a:buFont typeface="Arial" panose="020B0604020202020204" pitchFamily="34" charset="0"/>
+              <a:buChar char="•"/>
+            </a:pPr>
+            <a:r>
+              <a:rPr lang="ko-KR" altLang="en-US" sz="1000" dirty="0" err="1">
+                <a:solidFill>
+                  <a:schemeClr val="dk1"/>
+                </a:solidFill>
+                <a:latin typeface="Malgun Gothic"/>
+                <a:ea typeface="Malgun Gothic"/>
+                <a:sym typeface="Malgun Gothic"/>
+              </a:rPr>
+              <a:t>코웍</a:t>
+            </a:r>
+            <a:r>
+              <a:rPr lang="ko-KR" altLang="en-US" sz="1000" dirty="0">
+                <a:solidFill>
+                  <a:schemeClr val="dk1"/>
+                </a:solidFill>
+                <a:latin typeface="Malgun Gothic"/>
+                <a:ea typeface="Malgun Gothic"/>
+                <a:sym typeface="Malgun Gothic"/>
+              </a:rPr>
+              <a:t> 사원 등록</a:t>
+            </a:r>
+            <a:endParaRPr dirty="0"/>
+          </a:p>
+        </p:txBody>
+      </p:sp>
+      <p:sp>
+        <p:nvSpPr>
+          <p:cNvPr id="87" name="Google Shape;102;p1">
+            <a:extLst>
+              <a:ext uri="{FF2B5EF4-FFF2-40B4-BE49-F238E27FC236}">
+                <a16:creationId xmlns:a16="http://schemas.microsoft.com/office/drawing/2014/main" id="{84047947-8B92-A6F1-3969-2FB4E5BB329B}"/>
+              </a:ext>
+            </a:extLst>
+          </p:cNvPr>
+          <p:cNvSpPr txBox="1"/>
+          <p:nvPr/>
+        </p:nvSpPr>
+        <p:spPr>
+          <a:xfrm>
+            <a:off x="4778130" y="2562990"/>
+            <a:ext cx="475488" cy="246221"/>
+          </a:xfrm>
+          <a:prstGeom prst="rect">
+            <a:avLst/>
+          </a:prstGeom>
+          <a:noFill/>
+          <a:ln w="9525" cap="flat" cmpd="sng">
+            <a:solidFill>
+              <a:schemeClr val="dk1"/>
+            </a:solidFill>
+            <a:prstDash val="solid"/>
+            <a:round/>
+            <a:headEnd type="none" w="sm" len="sm"/>
+            <a:tailEnd type="none" w="sm" len="sm"/>
+          </a:ln>
+        </p:spPr>
+        <p:txBody>
+          <a:bodyPr spcFirstLastPara="1" wrap="square" lIns="91425" tIns="45700" rIns="91425" bIns="45700" anchor="t" anchorCtr="0">
+            <a:spAutoFit/>
+          </a:bodyPr>
+          <a:lstStyle/>
+          <a:p>
+            <a:pPr marL="0" marR="0" lvl="0" indent="0" algn="l" rtl="0">
+              <a:spcBef>
+                <a:spcPts val="0"/>
+              </a:spcBef>
+              <a:spcAft>
+                <a:spcPts val="0"/>
+              </a:spcAft>
+              <a:buNone/>
+            </a:pPr>
+            <a:r>
+              <a:rPr lang="ko-KR" altLang="en-US" sz="1000" dirty="0">
+                <a:solidFill>
+                  <a:schemeClr val="dk1"/>
+                </a:solidFill>
+                <a:latin typeface="Malgun Gothic"/>
+                <a:ea typeface="Malgun Gothic"/>
+                <a:cs typeface="Malgun Gothic"/>
+                <a:sym typeface="Malgun Gothic"/>
+              </a:rPr>
+              <a:t>추가</a:t>
+            </a:r>
+            <a:endParaRPr dirty="0"/>
+          </a:p>
+        </p:txBody>
+      </p:sp>
+      <p:grpSp>
+        <p:nvGrpSpPr>
+          <p:cNvPr id="100" name="Google Shape;127;p1">
+            <a:extLst>
+              <a:ext uri="{FF2B5EF4-FFF2-40B4-BE49-F238E27FC236}">
+                <a16:creationId xmlns:a16="http://schemas.microsoft.com/office/drawing/2014/main" id="{F0232EE5-B755-757A-7B1E-5AF6231378DD}"/>
+              </a:ext>
+            </a:extLst>
+          </p:cNvPr>
+          <p:cNvGrpSpPr/>
+          <p:nvPr/>
+        </p:nvGrpSpPr>
+        <p:grpSpPr>
+          <a:xfrm>
+            <a:off x="6475411" y="2654134"/>
+            <a:ext cx="3852487" cy="2726359"/>
+            <a:chOff x="1576030" y="1551349"/>
+            <a:chExt cx="6656831" cy="4410539"/>
+          </a:xfrm>
+        </p:grpSpPr>
+        <p:sp>
+          <p:nvSpPr>
+            <p:cNvPr id="101" name="Google Shape;128;p1">
+              <a:extLst>
+                <a:ext uri="{FF2B5EF4-FFF2-40B4-BE49-F238E27FC236}">
+                  <a16:creationId xmlns:a16="http://schemas.microsoft.com/office/drawing/2014/main" id="{0B61C69E-BD83-887E-41C8-E059ACB9AB85}"/>
+                </a:ext>
+              </a:extLst>
+            </p:cNvPr>
+            <p:cNvSpPr/>
+            <p:nvPr/>
+          </p:nvSpPr>
+          <p:spPr>
+            <a:xfrm>
+              <a:off x="1576031" y="1917672"/>
+              <a:ext cx="6653567" cy="4044216"/>
+            </a:xfrm>
+            <a:prstGeom prst="rect">
+              <a:avLst/>
+            </a:prstGeom>
+            <a:noFill/>
+            <a:ln w="19050" cap="flat" cmpd="sng">
+              <a:solidFill>
+                <a:srgbClr val="082836"/>
+              </a:solidFill>
+              <a:prstDash val="solid"/>
+              <a:miter lim="800000"/>
+              <a:headEnd type="none" w="sm" len="sm"/>
+              <a:tailEnd type="none" w="sm" len="sm"/>
+            </a:ln>
+          </p:spPr>
+          <p:txBody>
+            <a:bodyPr spcFirstLastPara="1" wrap="square" lIns="91425" tIns="45700" rIns="91425" bIns="45700" anchor="ctr" anchorCtr="0">
+              <a:noAutofit/>
+            </a:bodyPr>
+            <a:lstStyle/>
+            <a:p>
+              <a:pPr marL="0" marR="0" lvl="0" indent="0" algn="ctr" rtl="0">
+                <a:spcBef>
+                  <a:spcPts val="0"/>
+                </a:spcBef>
+                <a:spcAft>
+                  <a:spcPts val="0"/>
+                </a:spcAft>
+                <a:buNone/>
+              </a:pPr>
+              <a:endParaRPr sz="1400">
+                <a:solidFill>
+                  <a:schemeClr val="lt1"/>
+                </a:solidFill>
+                <a:latin typeface="Malgun Gothic"/>
+                <a:ea typeface="Malgun Gothic"/>
+                <a:cs typeface="Malgun Gothic"/>
+                <a:sym typeface="Malgun Gothic"/>
+              </a:endParaRPr>
+            </a:p>
+          </p:txBody>
+        </p:sp>
+        <p:grpSp>
+          <p:nvGrpSpPr>
+            <p:cNvPr id="102" name="Google Shape;129;p1">
+              <a:extLst>
+                <a:ext uri="{FF2B5EF4-FFF2-40B4-BE49-F238E27FC236}">
+                  <a16:creationId xmlns:a16="http://schemas.microsoft.com/office/drawing/2014/main" id="{D5B1AC79-EC96-A553-9622-16264C1CC23D}"/>
+                </a:ext>
+              </a:extLst>
+            </p:cNvPr>
+            <p:cNvGrpSpPr/>
+            <p:nvPr/>
+          </p:nvGrpSpPr>
+          <p:grpSpPr>
+            <a:xfrm>
+              <a:off x="1576030" y="1551349"/>
+              <a:ext cx="6656831" cy="504102"/>
+              <a:chOff x="1576030" y="1551349"/>
+              <a:chExt cx="6656831" cy="504102"/>
+            </a:xfrm>
+          </p:grpSpPr>
+          <p:sp>
+            <p:nvSpPr>
+              <p:cNvPr id="103" name="Google Shape;130;p1">
+                <a:extLst>
+                  <a:ext uri="{FF2B5EF4-FFF2-40B4-BE49-F238E27FC236}">
+                    <a16:creationId xmlns:a16="http://schemas.microsoft.com/office/drawing/2014/main" id="{0E406E96-CC84-A017-C4E4-93983C0B0FE1}"/>
+                  </a:ext>
+                </a:extLst>
+              </p:cNvPr>
+              <p:cNvSpPr/>
+              <p:nvPr/>
+            </p:nvSpPr>
+            <p:spPr>
+              <a:xfrm>
+                <a:off x="1576030" y="1551349"/>
+                <a:ext cx="6656831" cy="482961"/>
+              </a:xfrm>
+              <a:prstGeom prst="rect">
+                <a:avLst/>
+              </a:prstGeom>
+              <a:solidFill>
+                <a:srgbClr val="C0E4F5"/>
+              </a:solidFill>
+              <a:ln w="19050" cap="flat" cmpd="sng">
+                <a:solidFill>
+                  <a:srgbClr val="082836"/>
+                </a:solidFill>
+                <a:prstDash val="solid"/>
+                <a:miter lim="800000"/>
+                <a:headEnd type="none" w="sm" len="sm"/>
+                <a:tailEnd type="none" w="sm" len="sm"/>
+              </a:ln>
+            </p:spPr>
+            <p:txBody>
+              <a:bodyPr spcFirstLastPara="1" wrap="square" lIns="91425" tIns="45700" rIns="91425" bIns="45700" anchor="ctr" anchorCtr="0">
+                <a:noAutofit/>
+              </a:bodyPr>
+              <a:lstStyle/>
+              <a:p>
+                <a:pPr marL="0" marR="0" lvl="0" indent="0" algn="ctr" rtl="0">
+                  <a:spcBef>
+                    <a:spcPts val="0"/>
+                  </a:spcBef>
+                  <a:spcAft>
+                    <a:spcPts val="0"/>
+                  </a:spcAft>
+                  <a:buNone/>
+                </a:pPr>
+                <a:endParaRPr sz="1400">
+                  <a:solidFill>
+                    <a:srgbClr val="C0E4F5"/>
+                  </a:solidFill>
+                  <a:latin typeface="Malgun Gothic"/>
+                  <a:ea typeface="Malgun Gothic"/>
+                  <a:cs typeface="Malgun Gothic"/>
+                  <a:sym typeface="Malgun Gothic"/>
+                </a:endParaRPr>
+              </a:p>
+            </p:txBody>
+          </p:sp>
+          <p:sp>
+            <p:nvSpPr>
+              <p:cNvPr id="104" name="Google Shape;131;p1">
+                <a:extLst>
+                  <a:ext uri="{FF2B5EF4-FFF2-40B4-BE49-F238E27FC236}">
+                    <a16:creationId xmlns:a16="http://schemas.microsoft.com/office/drawing/2014/main" id="{CCBD47A9-D779-676C-5BF3-FBD8C0F61C00}"/>
+                  </a:ext>
+                </a:extLst>
+              </p:cNvPr>
+              <p:cNvSpPr txBox="1"/>
+              <p:nvPr/>
+            </p:nvSpPr>
+            <p:spPr>
+              <a:xfrm>
+                <a:off x="1621554" y="1607404"/>
+                <a:ext cx="2099284" cy="448047"/>
+              </a:xfrm>
+              <a:prstGeom prst="rect">
+                <a:avLst/>
+              </a:prstGeom>
+              <a:noFill/>
+              <a:ln>
+                <a:noFill/>
+              </a:ln>
+            </p:spPr>
+            <p:txBody>
+              <a:bodyPr spcFirstLastPara="1" wrap="square" lIns="91425" tIns="45700" rIns="91425" bIns="45700" anchor="t" anchorCtr="0">
+                <a:spAutoFit/>
+              </a:bodyPr>
+              <a:lstStyle/>
+              <a:p>
+                <a:pPr marL="0" marR="0" lvl="0" indent="0" algn="l" rtl="0">
+                  <a:spcBef>
+                    <a:spcPts val="0"/>
+                  </a:spcBef>
+                  <a:spcAft>
+                    <a:spcPts val="0"/>
+                  </a:spcAft>
+                  <a:buNone/>
+                </a:pPr>
+                <a:r>
+                  <a:rPr lang="ko-KR" altLang="en-US" sz="1200" dirty="0">
+                    <a:solidFill>
+                      <a:schemeClr val="dk1"/>
+                    </a:solidFill>
+                    <a:latin typeface="Malgun Gothic"/>
+                    <a:ea typeface="Malgun Gothic"/>
+                    <a:cs typeface="Malgun Gothic"/>
+                    <a:sym typeface="Malgun Gothic"/>
+                  </a:rPr>
+                  <a:t>사원</a:t>
+                </a:r>
+                <a:r>
+                  <a:rPr lang="ko-KR" sz="1200" dirty="0">
+                    <a:solidFill>
+                      <a:schemeClr val="dk1"/>
+                    </a:solidFill>
+                    <a:latin typeface="Malgun Gothic"/>
+                    <a:ea typeface="Malgun Gothic"/>
+                    <a:cs typeface="Malgun Gothic"/>
+                    <a:sym typeface="Malgun Gothic"/>
+                  </a:rPr>
+                  <a:t> 선택</a:t>
+                </a:r>
+                <a:endParaRPr dirty="0"/>
+              </a:p>
+            </p:txBody>
+          </p:sp>
+        </p:grpSp>
+      </p:grpSp>
+      <p:sp>
+        <p:nvSpPr>
+          <p:cNvPr id="105" name="Google Shape;132;p1">
+            <a:extLst>
+              <a:ext uri="{FF2B5EF4-FFF2-40B4-BE49-F238E27FC236}">
+                <a16:creationId xmlns:a16="http://schemas.microsoft.com/office/drawing/2014/main" id="{A5DED730-7762-E7CB-D99B-A8E0C3F002AB}"/>
+              </a:ext>
+            </a:extLst>
+          </p:cNvPr>
+          <p:cNvSpPr txBox="1"/>
+          <p:nvPr/>
+        </p:nvSpPr>
+        <p:spPr>
+          <a:xfrm>
+            <a:off x="6443334" y="3050995"/>
+            <a:ext cx="774447" cy="246221"/>
+          </a:xfrm>
+          <a:prstGeom prst="rect">
+            <a:avLst/>
+          </a:prstGeom>
+          <a:noFill/>
+          <a:ln>
+            <a:noFill/>
+          </a:ln>
+        </p:spPr>
+        <p:txBody>
+          <a:bodyPr spcFirstLastPara="1" wrap="square" lIns="91425" tIns="45700" rIns="91425" bIns="45700" anchor="t" anchorCtr="0">
+            <a:spAutoFit/>
+          </a:bodyPr>
+          <a:lstStyle/>
+          <a:p>
+            <a:pPr marL="0" marR="0" lvl="0" indent="0" algn="l" rtl="0">
+              <a:spcBef>
+                <a:spcPts val="0"/>
+              </a:spcBef>
+              <a:spcAft>
+                <a:spcPts val="0"/>
+              </a:spcAft>
+              <a:buNone/>
+            </a:pPr>
+            <a:r>
+              <a:rPr lang="ko-KR" altLang="en-US" sz="1000" dirty="0">
+                <a:solidFill>
+                  <a:schemeClr val="dk1"/>
+                </a:solidFill>
+                <a:latin typeface="Malgun Gothic"/>
+                <a:ea typeface="Malgun Gothic"/>
+                <a:cs typeface="Malgun Gothic"/>
+                <a:sym typeface="Malgun Gothic"/>
+              </a:rPr>
+              <a:t>사원 </a:t>
+            </a:r>
+            <a:r>
+              <a:rPr lang="ko-KR" sz="1000" dirty="0">
+                <a:solidFill>
+                  <a:schemeClr val="dk1"/>
+                </a:solidFill>
+                <a:latin typeface="Malgun Gothic"/>
+                <a:ea typeface="Malgun Gothic"/>
+                <a:cs typeface="Malgun Gothic"/>
+                <a:sym typeface="Malgun Gothic"/>
+              </a:rPr>
+              <a:t>검색</a:t>
+            </a:r>
+            <a:endParaRPr dirty="0"/>
+          </a:p>
+        </p:txBody>
+      </p:sp>
+      <p:cxnSp>
+        <p:nvCxnSpPr>
+          <p:cNvPr id="106" name="Google Shape;133;p1">
+            <a:extLst>
+              <a:ext uri="{FF2B5EF4-FFF2-40B4-BE49-F238E27FC236}">
+                <a16:creationId xmlns:a16="http://schemas.microsoft.com/office/drawing/2014/main" id="{A7B4DD59-D75B-36F7-4C7F-79F320AA2638}"/>
+              </a:ext>
+            </a:extLst>
+          </p:cNvPr>
+          <p:cNvCxnSpPr/>
+          <p:nvPr/>
+        </p:nvCxnSpPr>
+        <p:spPr>
+          <a:xfrm>
+            <a:off x="7096437" y="3310203"/>
+            <a:ext cx="2658711" cy="0"/>
+          </a:xfrm>
+          <a:prstGeom prst="straightConnector1">
+            <a:avLst/>
+          </a:prstGeom>
+          <a:noFill/>
+          <a:ln w="19050" cap="flat" cmpd="sng">
+            <a:solidFill>
+              <a:schemeClr val="accent1"/>
+            </a:solidFill>
+            <a:prstDash val="solid"/>
+            <a:miter lim="800000"/>
+            <a:headEnd type="none" w="sm" len="sm"/>
+            <a:tailEnd type="none" w="sm" len="sm"/>
+          </a:ln>
+        </p:spPr>
+      </p:cxnSp>
+      <p:sp>
+        <p:nvSpPr>
+          <p:cNvPr id="107" name="Google Shape;134;p1">
+            <a:extLst>
+              <a:ext uri="{FF2B5EF4-FFF2-40B4-BE49-F238E27FC236}">
+                <a16:creationId xmlns:a16="http://schemas.microsoft.com/office/drawing/2014/main" id="{127A6B62-2841-9491-8EE4-484093C23238}"/>
+              </a:ext>
+            </a:extLst>
+          </p:cNvPr>
+          <p:cNvSpPr txBox="1"/>
+          <p:nvPr/>
+        </p:nvSpPr>
+        <p:spPr>
+          <a:xfrm>
+            <a:off x="9755148" y="3029918"/>
+            <a:ext cx="444581" cy="246221"/>
+          </a:xfrm>
+          <a:prstGeom prst="rect">
+            <a:avLst/>
+          </a:prstGeom>
+          <a:noFill/>
+          <a:ln w="9525" cap="flat" cmpd="sng">
+            <a:solidFill>
+              <a:schemeClr val="dk1"/>
+            </a:solidFill>
+            <a:prstDash val="solid"/>
+            <a:round/>
+            <a:headEnd type="none" w="sm" len="sm"/>
+            <a:tailEnd type="none" w="sm" len="sm"/>
+          </a:ln>
+        </p:spPr>
+        <p:txBody>
+          <a:bodyPr spcFirstLastPara="1" wrap="square" lIns="91425" tIns="45700" rIns="91425" bIns="45700" anchor="t" anchorCtr="0">
+            <a:spAutoFit/>
+          </a:bodyPr>
+          <a:lstStyle/>
+          <a:p>
+            <a:pPr marL="0" marR="0" lvl="0" indent="0" algn="l" rtl="0">
+              <a:spcBef>
+                <a:spcPts val="0"/>
+              </a:spcBef>
+              <a:spcAft>
+                <a:spcPts val="0"/>
+              </a:spcAft>
+              <a:buNone/>
+            </a:pPr>
+            <a:r>
+              <a:rPr lang="ko-KR" sz="1000">
+                <a:solidFill>
+                  <a:schemeClr val="dk1"/>
+                </a:solidFill>
+                <a:latin typeface="Malgun Gothic"/>
+                <a:ea typeface="Malgun Gothic"/>
+                <a:cs typeface="Malgun Gothic"/>
+                <a:sym typeface="Malgun Gothic"/>
+              </a:rPr>
+              <a:t>검색</a:t>
+            </a:r>
+            <a:endParaRPr/>
+          </a:p>
+        </p:txBody>
+      </p:sp>
+      <p:sp>
+        <p:nvSpPr>
+          <p:cNvPr id="108" name="Google Shape;136;p1">
+            <a:extLst>
+              <a:ext uri="{FF2B5EF4-FFF2-40B4-BE49-F238E27FC236}">
+                <a16:creationId xmlns:a16="http://schemas.microsoft.com/office/drawing/2014/main" id="{6D06143F-3F95-3521-38CB-BA59E8DB373E}"/>
+              </a:ext>
+            </a:extLst>
+          </p:cNvPr>
+          <p:cNvSpPr txBox="1"/>
+          <p:nvPr/>
+        </p:nvSpPr>
+        <p:spPr>
+          <a:xfrm>
+            <a:off x="6635016" y="3515694"/>
+            <a:ext cx="919750" cy="246221"/>
+          </a:xfrm>
+          <a:prstGeom prst="rect">
+            <a:avLst/>
+          </a:prstGeom>
+          <a:noFill/>
+          <a:ln>
+            <a:noFill/>
+          </a:ln>
+        </p:spPr>
+        <p:txBody>
+          <a:bodyPr spcFirstLastPara="1" wrap="square" lIns="91425" tIns="45700" rIns="91425" bIns="45700" anchor="t" anchorCtr="0">
+            <a:spAutoFit/>
+          </a:bodyPr>
+          <a:lstStyle/>
+          <a:p>
+            <a:pPr marL="0" marR="0" lvl="0" indent="0" algn="l" rtl="0">
+              <a:spcBef>
+                <a:spcPts val="0"/>
+              </a:spcBef>
+              <a:spcAft>
+                <a:spcPts val="0"/>
+              </a:spcAft>
+              <a:buNone/>
+            </a:pPr>
+            <a:r>
+              <a:rPr lang="ko-KR" altLang="en-US" sz="1000" dirty="0">
+                <a:solidFill>
+                  <a:schemeClr val="dk1"/>
+                </a:solidFill>
+                <a:latin typeface="Malgun Gothic"/>
+                <a:ea typeface="Malgun Gothic"/>
+                <a:cs typeface="Malgun Gothic"/>
+                <a:sym typeface="Malgun Gothic"/>
+              </a:rPr>
+              <a:t>사원</a:t>
+            </a:r>
+            <a:r>
+              <a:rPr lang="ko-KR" sz="1000" dirty="0">
+                <a:solidFill>
+                  <a:schemeClr val="dk1"/>
+                </a:solidFill>
+                <a:latin typeface="Malgun Gothic"/>
+                <a:ea typeface="Malgun Gothic"/>
+                <a:cs typeface="Malgun Gothic"/>
+                <a:sym typeface="Malgun Gothic"/>
+              </a:rPr>
+              <a:t> 리스트</a:t>
+            </a:r>
+            <a:endParaRPr sz="1000" dirty="0">
+              <a:solidFill>
+                <a:schemeClr val="dk1"/>
+              </a:solidFill>
+              <a:latin typeface="Malgun Gothic"/>
+              <a:ea typeface="Malgun Gothic"/>
+              <a:cs typeface="Malgun Gothic"/>
+              <a:sym typeface="Malgun Gothic"/>
+            </a:endParaRPr>
+          </a:p>
+        </p:txBody>
+      </p:sp>
+      <p:sp>
+        <p:nvSpPr>
+          <p:cNvPr id="109" name="Google Shape;137;p1">
+            <a:extLst>
+              <a:ext uri="{FF2B5EF4-FFF2-40B4-BE49-F238E27FC236}">
+                <a16:creationId xmlns:a16="http://schemas.microsoft.com/office/drawing/2014/main" id="{EACDDA85-702D-2D78-371A-21998F27EF18}"/>
+              </a:ext>
+            </a:extLst>
+          </p:cNvPr>
+          <p:cNvSpPr/>
+          <p:nvPr/>
+        </p:nvSpPr>
+        <p:spPr>
+          <a:xfrm>
+            <a:off x="7934400" y="4846677"/>
+            <a:ext cx="916115" cy="269232"/>
+          </a:xfrm>
+          <a:prstGeom prst="roundRect">
+            <a:avLst>
+              <a:gd name="adj" fmla="val 16667"/>
+            </a:avLst>
+          </a:prstGeom>
+          <a:solidFill>
+            <a:srgbClr val="BEF2C7"/>
+          </a:solidFill>
+          <a:ln w="19050" cap="flat" cmpd="sng">
+            <a:solidFill>
+              <a:srgbClr val="082836"/>
+            </a:solidFill>
+            <a:prstDash val="solid"/>
+            <a:miter lim="800000"/>
+            <a:headEnd type="none" w="sm" len="sm"/>
+            <a:tailEnd type="none" w="sm" len="sm"/>
+          </a:ln>
+        </p:spPr>
+        <p:txBody>
+          <a:bodyPr spcFirstLastPara="1" wrap="square" lIns="91425" tIns="45700" rIns="91425" bIns="45700" anchor="ctr" anchorCtr="0">
+            <a:noAutofit/>
+          </a:bodyPr>
+          <a:lstStyle/>
+          <a:p>
+            <a:pPr marL="0" marR="0" lvl="0" indent="0" algn="ctr" rtl="0">
+              <a:spcBef>
+                <a:spcPts val="0"/>
+              </a:spcBef>
+              <a:spcAft>
+                <a:spcPts val="0"/>
+              </a:spcAft>
+              <a:buNone/>
+            </a:pPr>
+            <a:r>
+              <a:rPr lang="ko-KR" sz="1200" b="1">
+                <a:solidFill>
+                  <a:schemeClr val="dk1"/>
+                </a:solidFill>
+                <a:latin typeface="Malgun Gothic"/>
+                <a:ea typeface="Malgun Gothic"/>
+                <a:cs typeface="Malgun Gothic"/>
+                <a:sym typeface="Malgun Gothic"/>
+              </a:rPr>
+              <a:t>닫기</a:t>
+            </a:r>
+            <a:endParaRPr/>
+          </a:p>
+        </p:txBody>
+      </p:sp>
+      <p:pic>
+        <p:nvPicPr>
+          <p:cNvPr id="111" name="그림 110">
+            <a:extLst>
+              <a:ext uri="{FF2B5EF4-FFF2-40B4-BE49-F238E27FC236}">
+                <a16:creationId xmlns:a16="http://schemas.microsoft.com/office/drawing/2014/main" id="{1A7A01CA-0E8B-41BC-3DCE-89FCF4061E14}"/>
+              </a:ext>
+            </a:extLst>
+          </p:cNvPr>
+          <p:cNvPicPr>
+            <a:picLocks noChangeAspect="1"/>
+          </p:cNvPicPr>
+          <p:nvPr/>
+        </p:nvPicPr>
+        <p:blipFill>
+          <a:blip r:embed="rId6"/>
+          <a:stretch>
+            <a:fillRect/>
+          </a:stretch>
+        </p:blipFill>
+        <p:spPr>
+          <a:xfrm>
+            <a:off x="6617094" y="3800374"/>
+            <a:ext cx="3566182" cy="786429"/>
+          </a:xfrm>
+          <a:prstGeom prst="rect">
+            <a:avLst/>
+          </a:prstGeom>
+        </p:spPr>
+      </p:pic>
+      <p:cxnSp>
+        <p:nvCxnSpPr>
+          <p:cNvPr id="112" name="직선 화살표 연결선 111">
+            <a:extLst>
+              <a:ext uri="{FF2B5EF4-FFF2-40B4-BE49-F238E27FC236}">
+                <a16:creationId xmlns:a16="http://schemas.microsoft.com/office/drawing/2014/main" id="{38AAF01A-7DBD-B905-553C-DCCC676C9C13}"/>
+              </a:ext>
+            </a:extLst>
+          </p:cNvPr>
+          <p:cNvCxnSpPr>
+            <a:cxnSpLocks/>
+          </p:cNvCxnSpPr>
+          <p:nvPr/>
+        </p:nvCxnSpPr>
+        <p:spPr>
+          <a:xfrm>
+            <a:off x="5281706" y="2686100"/>
+            <a:ext cx="1156840" cy="1348631"/>
+          </a:xfrm>
+          <a:prstGeom prst="straightConnector1">
+            <a:avLst/>
+          </a:prstGeom>
+          <a:ln w="28575">
+            <a:solidFill>
+              <a:srgbClr val="FF0000"/>
+            </a:solidFill>
+            <a:tailEnd type="triangle"/>
+          </a:ln>
+        </p:spPr>
+        <p:style>
+          <a:lnRef idx="1">
+            <a:schemeClr val="accent1"/>
+          </a:lnRef>
+          <a:fillRef idx="0">
+            <a:schemeClr val="accent1"/>
+          </a:fillRef>
+          <a:effectRef idx="0">
+            <a:schemeClr val="accent1"/>
+          </a:effectRef>
+          <a:fontRef idx="minor">
+            <a:schemeClr val="tx1"/>
+          </a:fontRef>
+        </p:style>
+      </p:cxnSp>
+      <p:pic>
+        <p:nvPicPr>
+          <p:cNvPr id="119" name="그림 118">
+            <a:extLst>
+              <a:ext uri="{FF2B5EF4-FFF2-40B4-BE49-F238E27FC236}">
+                <a16:creationId xmlns:a16="http://schemas.microsoft.com/office/drawing/2014/main" id="{0ACD876D-8C7F-8E47-2952-D7BD2D680582}"/>
+              </a:ext>
+            </a:extLst>
+          </p:cNvPr>
+          <p:cNvPicPr>
+            <a:picLocks noChangeAspect="1"/>
+          </p:cNvPicPr>
+          <p:nvPr/>
+        </p:nvPicPr>
+        <p:blipFill>
+          <a:blip r:embed="rId7"/>
+          <a:stretch>
+            <a:fillRect/>
+          </a:stretch>
+        </p:blipFill>
+        <p:spPr>
+          <a:xfrm>
+            <a:off x="1927369" y="2980593"/>
+            <a:ext cx="3354338" cy="624257"/>
+          </a:xfrm>
+          <a:prstGeom prst="rect">
+            <a:avLst/>
+          </a:prstGeom>
+        </p:spPr>
+      </p:pic>
+      <p:sp>
+        <p:nvSpPr>
+          <p:cNvPr id="120" name="Google Shape;137;p1">
+            <a:extLst>
+              <a:ext uri="{FF2B5EF4-FFF2-40B4-BE49-F238E27FC236}">
+                <a16:creationId xmlns:a16="http://schemas.microsoft.com/office/drawing/2014/main" id="{AE5C557E-CEF0-C32B-8394-F2784502FA8F}"/>
+              </a:ext>
+            </a:extLst>
+          </p:cNvPr>
+          <p:cNvSpPr/>
+          <p:nvPr/>
+        </p:nvSpPr>
+        <p:spPr>
+          <a:xfrm>
+            <a:off x="4741105" y="3226519"/>
+            <a:ext cx="445282" cy="168616"/>
+          </a:xfrm>
+          <a:prstGeom prst="roundRect">
+            <a:avLst>
+              <a:gd name="adj" fmla="val 16667"/>
+            </a:avLst>
+          </a:prstGeom>
+          <a:solidFill>
+            <a:srgbClr val="BEF2C7"/>
+          </a:solidFill>
+          <a:ln w="3175" cap="flat" cmpd="sng">
+            <a:solidFill>
+              <a:srgbClr val="082836"/>
+            </a:solidFill>
+            <a:prstDash val="solid"/>
+            <a:miter lim="800000"/>
+            <a:headEnd type="none" w="sm" len="sm"/>
+            <a:tailEnd type="none" w="sm" len="sm"/>
+          </a:ln>
+        </p:spPr>
+        <p:txBody>
+          <a:bodyPr spcFirstLastPara="1" wrap="square" lIns="91425" tIns="45700" rIns="91425" bIns="45700" anchor="ctr" anchorCtr="0">
+            <a:noAutofit/>
+          </a:bodyPr>
+          <a:lstStyle/>
+          <a:p>
+            <a:pPr marL="0" marR="0" lvl="0" indent="0" algn="ctr" rtl="0">
+              <a:spcBef>
+                <a:spcPts val="0"/>
+              </a:spcBef>
+              <a:spcAft>
+                <a:spcPts val="0"/>
+              </a:spcAft>
+              <a:buNone/>
+            </a:pPr>
+            <a:r>
+              <a:rPr lang="ko-KR" altLang="en-US" sz="800" b="1">
+                <a:solidFill>
+                  <a:schemeClr val="dk1"/>
+                </a:solidFill>
+                <a:latin typeface="Malgun Gothic"/>
+                <a:ea typeface="Malgun Gothic"/>
+                <a:sym typeface="Malgun Gothic"/>
+              </a:rPr>
+              <a:t>삭제</a:t>
+            </a:r>
+            <a:endParaRPr sz="800" dirty="0"/>
+          </a:p>
+        </p:txBody>
+      </p:sp>
+      <p:sp>
+        <p:nvSpPr>
+          <p:cNvPr id="121" name="Google Shape;137;p1">
+            <a:extLst>
+              <a:ext uri="{FF2B5EF4-FFF2-40B4-BE49-F238E27FC236}">
+                <a16:creationId xmlns:a16="http://schemas.microsoft.com/office/drawing/2014/main" id="{86EFF02F-9325-5E57-F3B2-49B5EAD14100}"/>
+              </a:ext>
+            </a:extLst>
+          </p:cNvPr>
+          <p:cNvSpPr/>
+          <p:nvPr/>
+        </p:nvSpPr>
+        <p:spPr>
+          <a:xfrm>
+            <a:off x="4739600" y="3415133"/>
+            <a:ext cx="445282" cy="168616"/>
+          </a:xfrm>
+          <a:prstGeom prst="roundRect">
+            <a:avLst>
+              <a:gd name="adj" fmla="val 16667"/>
+            </a:avLst>
+          </a:prstGeom>
+          <a:solidFill>
+            <a:srgbClr val="BEF2C7"/>
+          </a:solidFill>
+          <a:ln w="3175" cap="flat" cmpd="sng">
+            <a:solidFill>
+              <a:srgbClr val="082836"/>
+            </a:solidFill>
+            <a:prstDash val="solid"/>
+            <a:miter lim="800000"/>
+            <a:headEnd type="none" w="sm" len="sm"/>
+            <a:tailEnd type="none" w="sm" len="sm"/>
+          </a:ln>
+        </p:spPr>
+        <p:txBody>
+          <a:bodyPr spcFirstLastPara="1" wrap="square" lIns="91425" tIns="45700" rIns="91425" bIns="45700" anchor="ctr" anchorCtr="0">
+            <a:noAutofit/>
+          </a:bodyPr>
+          <a:lstStyle/>
+          <a:p>
+            <a:pPr marL="0" marR="0" lvl="0" indent="0" algn="ctr" rtl="0">
+              <a:spcBef>
+                <a:spcPts val="0"/>
+              </a:spcBef>
+              <a:spcAft>
+                <a:spcPts val="0"/>
+              </a:spcAft>
+              <a:buNone/>
+            </a:pPr>
+            <a:r>
+              <a:rPr lang="ko-KR" altLang="en-US" sz="800" b="1">
+                <a:solidFill>
+                  <a:schemeClr val="dk1"/>
+                </a:solidFill>
+                <a:latin typeface="Malgun Gothic"/>
+                <a:ea typeface="Malgun Gothic"/>
+                <a:sym typeface="Malgun Gothic"/>
+              </a:rPr>
+              <a:t>삭제</a:t>
+            </a:r>
+            <a:endParaRPr sz="800" dirty="0"/>
+          </a:p>
+        </p:txBody>
+      </p:sp>
+      <p:cxnSp>
+        <p:nvCxnSpPr>
+          <p:cNvPr id="122" name="직선 연결선 121">
+            <a:extLst>
+              <a:ext uri="{FF2B5EF4-FFF2-40B4-BE49-F238E27FC236}">
+                <a16:creationId xmlns:a16="http://schemas.microsoft.com/office/drawing/2014/main" id="{DEDC7731-3FB5-84D5-4D10-07E4F3B2F551}"/>
+              </a:ext>
+            </a:extLst>
+          </p:cNvPr>
+          <p:cNvCxnSpPr/>
+          <p:nvPr/>
+        </p:nvCxnSpPr>
+        <p:spPr>
+          <a:xfrm>
+            <a:off x="1840191" y="3819790"/>
+            <a:ext cx="3654469" cy="0"/>
+          </a:xfrm>
+          <a:prstGeom prst="line">
+            <a:avLst/>
+          </a:prstGeom>
+        </p:spPr>
+        <p:style>
+          <a:lnRef idx="1">
+            <a:schemeClr val="accent1"/>
+          </a:lnRef>
+          <a:fillRef idx="0">
+            <a:schemeClr val="accent1"/>
+          </a:fillRef>
+          <a:effectRef idx="0">
+            <a:schemeClr val="accent1"/>
+          </a:effectRef>
+          <a:fontRef idx="minor">
+            <a:schemeClr val="tx1"/>
+          </a:fontRef>
+        </p:style>
+      </p:cxnSp>
+      <p:sp>
+        <p:nvSpPr>
+          <p:cNvPr id="123" name="Google Shape;132;p1">
+            <a:extLst>
+              <a:ext uri="{FF2B5EF4-FFF2-40B4-BE49-F238E27FC236}">
+                <a16:creationId xmlns:a16="http://schemas.microsoft.com/office/drawing/2014/main" id="{BD37E341-C847-F9DF-553D-C1C32D812358}"/>
+              </a:ext>
+            </a:extLst>
+          </p:cNvPr>
+          <p:cNvSpPr txBox="1"/>
+          <p:nvPr/>
+        </p:nvSpPr>
+        <p:spPr>
+          <a:xfrm>
+            <a:off x="1858964" y="3888970"/>
+            <a:ext cx="3392764" cy="246181"/>
+          </a:xfrm>
+          <a:prstGeom prst="rect">
+            <a:avLst/>
+          </a:prstGeom>
+          <a:noFill/>
+          <a:ln>
+            <a:noFill/>
+          </a:ln>
+        </p:spPr>
+        <p:txBody>
+          <a:bodyPr spcFirstLastPara="1" wrap="square" lIns="91425" tIns="45700" rIns="91425" bIns="45700" anchor="t" anchorCtr="0">
+            <a:spAutoFit/>
+          </a:bodyPr>
+          <a:lstStyle/>
+          <a:p>
+            <a:pPr marL="171450" marR="0" lvl="0" indent="-171450" algn="l" rtl="0">
+              <a:spcBef>
+                <a:spcPts val="0"/>
+              </a:spcBef>
+              <a:spcAft>
+                <a:spcPts val="0"/>
+              </a:spcAft>
+              <a:buFont typeface="Arial" panose="020B0604020202020204" pitchFamily="34" charset="0"/>
+              <a:buChar char="•"/>
+            </a:pPr>
+            <a:r>
+              <a:rPr lang="ko-KR" altLang="en-US" sz="1000" dirty="0">
+                <a:solidFill>
+                  <a:schemeClr val="dk1"/>
+                </a:solidFill>
+                <a:latin typeface="Malgun Gothic"/>
+                <a:ea typeface="Malgun Gothic"/>
+                <a:sym typeface="Malgun Gothic"/>
+              </a:rPr>
+              <a:t>영업담당사원 등록</a:t>
+            </a:r>
+            <a:endParaRPr dirty="0"/>
+          </a:p>
+        </p:txBody>
+      </p:sp>
+      <p:sp>
+        <p:nvSpPr>
+          <p:cNvPr id="124" name="Google Shape;102;p1">
+            <a:extLst>
+              <a:ext uri="{FF2B5EF4-FFF2-40B4-BE49-F238E27FC236}">
+                <a16:creationId xmlns:a16="http://schemas.microsoft.com/office/drawing/2014/main" id="{2D29F7E8-0E93-C9B9-1428-1A0650FF744C}"/>
+              </a:ext>
+            </a:extLst>
+          </p:cNvPr>
+          <p:cNvSpPr txBox="1"/>
+          <p:nvPr/>
+        </p:nvSpPr>
+        <p:spPr>
+          <a:xfrm>
+            <a:off x="4777185" y="3901393"/>
+            <a:ext cx="475488" cy="246221"/>
+          </a:xfrm>
+          <a:prstGeom prst="rect">
+            <a:avLst/>
+          </a:prstGeom>
+          <a:noFill/>
+          <a:ln w="9525" cap="flat" cmpd="sng">
+            <a:solidFill>
+              <a:schemeClr val="dk1"/>
+            </a:solidFill>
+            <a:prstDash val="solid"/>
+            <a:round/>
+            <a:headEnd type="none" w="sm" len="sm"/>
+            <a:tailEnd type="none" w="sm" len="sm"/>
+          </a:ln>
+        </p:spPr>
+        <p:txBody>
+          <a:bodyPr spcFirstLastPara="1" wrap="square" lIns="91425" tIns="45700" rIns="91425" bIns="45700" anchor="t" anchorCtr="0">
+            <a:spAutoFit/>
+          </a:bodyPr>
+          <a:lstStyle/>
+          <a:p>
+            <a:pPr marL="0" marR="0" lvl="0" indent="0" algn="l" rtl="0">
+              <a:spcBef>
+                <a:spcPts val="0"/>
+              </a:spcBef>
+              <a:spcAft>
+                <a:spcPts val="0"/>
+              </a:spcAft>
+              <a:buNone/>
+            </a:pPr>
+            <a:r>
+              <a:rPr lang="ko-KR" altLang="en-US" sz="1000" dirty="0">
+                <a:solidFill>
+                  <a:schemeClr val="dk1"/>
+                </a:solidFill>
+                <a:latin typeface="Malgun Gothic"/>
+                <a:ea typeface="Malgun Gothic"/>
+                <a:cs typeface="Malgun Gothic"/>
+                <a:sym typeface="Malgun Gothic"/>
+              </a:rPr>
+              <a:t>추가</a:t>
+            </a:r>
+            <a:endParaRPr dirty="0"/>
+          </a:p>
+        </p:txBody>
+      </p:sp>
+      <p:cxnSp>
+        <p:nvCxnSpPr>
+          <p:cNvPr id="125" name="직선 화살표 연결선 124">
+            <a:extLst>
+              <a:ext uri="{FF2B5EF4-FFF2-40B4-BE49-F238E27FC236}">
+                <a16:creationId xmlns:a16="http://schemas.microsoft.com/office/drawing/2014/main" id="{B357DB5C-5AB2-9452-2720-EC66CFCBC8EC}"/>
+              </a:ext>
+            </a:extLst>
+          </p:cNvPr>
+          <p:cNvCxnSpPr>
+            <a:cxnSpLocks/>
+          </p:cNvCxnSpPr>
+          <p:nvPr/>
+        </p:nvCxnSpPr>
+        <p:spPr>
+          <a:xfrm>
+            <a:off x="5275030" y="4042501"/>
+            <a:ext cx="1163516" cy="280775"/>
+          </a:xfrm>
+          <a:prstGeom prst="straightConnector1">
+            <a:avLst/>
+          </a:prstGeom>
+          <a:ln w="28575">
+            <a:solidFill>
+              <a:srgbClr val="FF0000"/>
+            </a:solidFill>
+            <a:tailEnd type="triangle"/>
+          </a:ln>
+        </p:spPr>
+        <p:style>
+          <a:lnRef idx="1">
+            <a:schemeClr val="accent1"/>
+          </a:lnRef>
+          <a:fillRef idx="0">
+            <a:schemeClr val="accent1"/>
+          </a:fillRef>
+          <a:effectRef idx="0">
+            <a:schemeClr val="accent1"/>
+          </a:effectRef>
+          <a:fontRef idx="minor">
+            <a:schemeClr val="tx1"/>
+          </a:fontRef>
+        </p:style>
+      </p:cxnSp>
+      <p:pic>
+        <p:nvPicPr>
+          <p:cNvPr id="131" name="그림 130">
+            <a:extLst>
+              <a:ext uri="{FF2B5EF4-FFF2-40B4-BE49-F238E27FC236}">
+                <a16:creationId xmlns:a16="http://schemas.microsoft.com/office/drawing/2014/main" id="{3EB0C76A-B3CA-D234-3258-D3E90B31B138}"/>
+              </a:ext>
+            </a:extLst>
+          </p:cNvPr>
+          <p:cNvPicPr>
+            <a:picLocks noChangeAspect="1"/>
+          </p:cNvPicPr>
+          <p:nvPr/>
+        </p:nvPicPr>
+        <p:blipFill>
+          <a:blip r:embed="rId8"/>
+          <a:stretch>
+            <a:fillRect/>
+          </a:stretch>
+        </p:blipFill>
+        <p:spPr>
+          <a:xfrm>
+            <a:off x="1927370" y="4257442"/>
+            <a:ext cx="3347660" cy="472318"/>
+          </a:xfrm>
+          <a:prstGeom prst="rect">
+            <a:avLst/>
+          </a:prstGeom>
+        </p:spPr>
+      </p:pic>
+      <p:sp>
+        <p:nvSpPr>
+          <p:cNvPr id="128" name="Google Shape;137;p1">
+            <a:extLst>
+              <a:ext uri="{FF2B5EF4-FFF2-40B4-BE49-F238E27FC236}">
+                <a16:creationId xmlns:a16="http://schemas.microsoft.com/office/drawing/2014/main" id="{6BD1BC12-5382-DAB1-7948-362884E44159}"/>
+              </a:ext>
+            </a:extLst>
+          </p:cNvPr>
+          <p:cNvSpPr/>
+          <p:nvPr/>
+        </p:nvSpPr>
+        <p:spPr>
+          <a:xfrm>
+            <a:off x="4739815" y="4485420"/>
+            <a:ext cx="445282" cy="168616"/>
+          </a:xfrm>
+          <a:prstGeom prst="roundRect">
+            <a:avLst>
+              <a:gd name="adj" fmla="val 16667"/>
+            </a:avLst>
+          </a:prstGeom>
+          <a:solidFill>
+            <a:srgbClr val="BEF2C7"/>
+          </a:solidFill>
+          <a:ln w="3175" cap="flat" cmpd="sng">
+            <a:solidFill>
+              <a:srgbClr val="082836"/>
+            </a:solidFill>
+            <a:prstDash val="solid"/>
+            <a:miter lim="800000"/>
+            <a:headEnd type="none" w="sm" len="sm"/>
+            <a:tailEnd type="none" w="sm" len="sm"/>
+          </a:ln>
+        </p:spPr>
+        <p:txBody>
+          <a:bodyPr spcFirstLastPara="1" wrap="square" lIns="91425" tIns="45700" rIns="91425" bIns="45700" anchor="ctr" anchorCtr="0">
+            <a:noAutofit/>
+          </a:bodyPr>
+          <a:lstStyle/>
+          <a:p>
+            <a:pPr marL="0" marR="0" lvl="0" indent="0" algn="ctr" rtl="0">
+              <a:spcBef>
+                <a:spcPts val="0"/>
+              </a:spcBef>
+              <a:spcAft>
+                <a:spcPts val="0"/>
+              </a:spcAft>
+              <a:buNone/>
+            </a:pPr>
+            <a:r>
+              <a:rPr lang="ko-KR" altLang="en-US" sz="800" b="1" dirty="0">
+                <a:solidFill>
+                  <a:schemeClr val="dk1"/>
+                </a:solidFill>
+                <a:latin typeface="Malgun Gothic"/>
+                <a:ea typeface="Malgun Gothic"/>
+                <a:sym typeface="Malgun Gothic"/>
+              </a:rPr>
+              <a:t>삭제</a:t>
+            </a:r>
+            <a:endParaRPr sz="800" dirty="0"/>
+          </a:p>
+        </p:txBody>
+      </p:sp>
+      <p:sp>
+        <p:nvSpPr>
+          <p:cNvPr id="133" name="Google Shape;132;p1">
+            <a:extLst>
+              <a:ext uri="{FF2B5EF4-FFF2-40B4-BE49-F238E27FC236}">
+                <a16:creationId xmlns:a16="http://schemas.microsoft.com/office/drawing/2014/main" id="{DF8C65BE-4250-30FA-569A-E66951C76BB6}"/>
+              </a:ext>
+            </a:extLst>
+          </p:cNvPr>
+          <p:cNvSpPr txBox="1"/>
+          <p:nvPr/>
+        </p:nvSpPr>
+        <p:spPr>
+          <a:xfrm>
+            <a:off x="1840191" y="4838649"/>
+            <a:ext cx="3392764" cy="246181"/>
+          </a:xfrm>
+          <a:prstGeom prst="rect">
+            <a:avLst/>
+          </a:prstGeom>
+          <a:noFill/>
+          <a:ln>
+            <a:noFill/>
+          </a:ln>
+        </p:spPr>
+        <p:txBody>
+          <a:bodyPr spcFirstLastPara="1" wrap="square" lIns="91425" tIns="45700" rIns="91425" bIns="45700" anchor="t" anchorCtr="0">
+            <a:spAutoFit/>
+          </a:bodyPr>
+          <a:lstStyle/>
+          <a:p>
+            <a:pPr marL="171450" marR="0" lvl="0" indent="-171450" algn="l" rtl="0">
+              <a:spcBef>
+                <a:spcPts val="0"/>
+              </a:spcBef>
+              <a:spcAft>
+                <a:spcPts val="0"/>
+              </a:spcAft>
+              <a:buFont typeface="Arial" panose="020B0604020202020204" pitchFamily="34" charset="0"/>
+              <a:buChar char="•"/>
+            </a:pPr>
+            <a:r>
+              <a:rPr lang="en-US" altLang="ko-KR" sz="1000" dirty="0" err="1">
+                <a:solidFill>
+                  <a:schemeClr val="dk1"/>
+                </a:solidFill>
+                <a:latin typeface="Malgun Gothic"/>
+                <a:ea typeface="Malgun Gothic"/>
+                <a:sym typeface="Malgun Gothic"/>
+              </a:rPr>
+              <a:t>Overiding</a:t>
+            </a:r>
+            <a:r>
+              <a:rPr lang="en-US" altLang="ko-KR" sz="1000" dirty="0">
+                <a:solidFill>
+                  <a:schemeClr val="dk1"/>
+                </a:solidFill>
+                <a:latin typeface="Malgun Gothic"/>
+                <a:ea typeface="Malgun Gothic"/>
+                <a:sym typeface="Malgun Gothic"/>
+              </a:rPr>
+              <a:t> </a:t>
+            </a:r>
+            <a:r>
+              <a:rPr lang="ko-KR" altLang="en-US" sz="1000" dirty="0">
+                <a:solidFill>
+                  <a:schemeClr val="dk1"/>
+                </a:solidFill>
+                <a:latin typeface="Malgun Gothic"/>
+                <a:ea typeface="Malgun Gothic"/>
+                <a:sym typeface="Malgun Gothic"/>
+              </a:rPr>
+              <a:t>관련 상급자 </a:t>
+            </a:r>
+            <a:endParaRPr dirty="0"/>
+          </a:p>
+        </p:txBody>
+      </p:sp>
+      <p:pic>
+        <p:nvPicPr>
+          <p:cNvPr id="139" name="그림 138">
+            <a:extLst>
+              <a:ext uri="{FF2B5EF4-FFF2-40B4-BE49-F238E27FC236}">
+                <a16:creationId xmlns:a16="http://schemas.microsoft.com/office/drawing/2014/main" id="{0A9D44E4-8DD8-7571-CC8C-56EB38CF9E42}"/>
+              </a:ext>
+            </a:extLst>
+          </p:cNvPr>
+          <p:cNvPicPr>
+            <a:picLocks noChangeAspect="1"/>
+          </p:cNvPicPr>
+          <p:nvPr/>
+        </p:nvPicPr>
+        <p:blipFill>
+          <a:blip r:embed="rId9"/>
+          <a:stretch>
+            <a:fillRect/>
+          </a:stretch>
+        </p:blipFill>
+        <p:spPr>
+          <a:xfrm>
+            <a:off x="1947021" y="5193640"/>
+            <a:ext cx="3308357" cy="665877"/>
+          </a:xfrm>
+          <a:prstGeom prst="rect">
+            <a:avLst/>
+          </a:prstGeom>
+        </p:spPr>
+      </p:pic>
+      <p:sp>
+        <p:nvSpPr>
+          <p:cNvPr id="136" name="Google Shape;137;p1">
+            <a:extLst>
+              <a:ext uri="{FF2B5EF4-FFF2-40B4-BE49-F238E27FC236}">
+                <a16:creationId xmlns:a16="http://schemas.microsoft.com/office/drawing/2014/main" id="{6B8A1D7E-380F-4054-3820-F25002A652E4}"/>
+              </a:ext>
+            </a:extLst>
+          </p:cNvPr>
+          <p:cNvSpPr/>
+          <p:nvPr/>
+        </p:nvSpPr>
+        <p:spPr>
+          <a:xfrm>
+            <a:off x="4748653" y="5380493"/>
+            <a:ext cx="445282" cy="151173"/>
+          </a:xfrm>
+          <a:prstGeom prst="roundRect">
+            <a:avLst>
+              <a:gd name="adj" fmla="val 16667"/>
+            </a:avLst>
+          </a:prstGeom>
+          <a:solidFill>
+            <a:srgbClr val="BEF2C7"/>
+          </a:solidFill>
+          <a:ln w="3175" cap="flat" cmpd="sng">
+            <a:solidFill>
+              <a:srgbClr val="082836"/>
+            </a:solidFill>
+            <a:prstDash val="solid"/>
+            <a:miter lim="800000"/>
+            <a:headEnd type="none" w="sm" len="sm"/>
+            <a:tailEnd type="none" w="sm" len="sm"/>
+          </a:ln>
+        </p:spPr>
+        <p:txBody>
+          <a:bodyPr spcFirstLastPara="1" wrap="square" lIns="91425" tIns="45700" rIns="91425" bIns="45700" anchor="ctr" anchorCtr="0">
+            <a:noAutofit/>
+          </a:bodyPr>
+          <a:lstStyle/>
+          <a:p>
+            <a:pPr marL="0" marR="0" lvl="0" indent="0" algn="ctr" rtl="0">
+              <a:spcBef>
+                <a:spcPts val="0"/>
+              </a:spcBef>
+              <a:spcAft>
+                <a:spcPts val="0"/>
+              </a:spcAft>
+              <a:buNone/>
+            </a:pPr>
+            <a:r>
+              <a:rPr lang="ko-KR" altLang="en-US" sz="800" b="1" dirty="0">
+                <a:solidFill>
+                  <a:schemeClr val="dk1"/>
+                </a:solidFill>
+                <a:latin typeface="Malgun Gothic"/>
+                <a:ea typeface="Malgun Gothic"/>
+                <a:sym typeface="Malgun Gothic"/>
+              </a:rPr>
+              <a:t>삭제</a:t>
+            </a:r>
+            <a:endParaRPr sz="800" dirty="0"/>
+          </a:p>
+        </p:txBody>
+      </p:sp>
+      <p:sp>
+        <p:nvSpPr>
+          <p:cNvPr id="140" name="Google Shape;137;p1">
+            <a:extLst>
+              <a:ext uri="{FF2B5EF4-FFF2-40B4-BE49-F238E27FC236}">
+                <a16:creationId xmlns:a16="http://schemas.microsoft.com/office/drawing/2014/main" id="{92D1EFAF-624A-BA19-0911-2F44FD7C30DA}"/>
+              </a:ext>
+            </a:extLst>
+          </p:cNvPr>
+          <p:cNvSpPr/>
+          <p:nvPr/>
+        </p:nvSpPr>
+        <p:spPr>
+          <a:xfrm>
+            <a:off x="4747149" y="5551000"/>
+            <a:ext cx="445282" cy="151173"/>
+          </a:xfrm>
+          <a:prstGeom prst="roundRect">
+            <a:avLst>
+              <a:gd name="adj" fmla="val 16667"/>
+            </a:avLst>
+          </a:prstGeom>
+          <a:solidFill>
+            <a:srgbClr val="BEF2C7"/>
+          </a:solidFill>
+          <a:ln w="3175" cap="flat" cmpd="sng">
+            <a:solidFill>
+              <a:srgbClr val="082836"/>
+            </a:solidFill>
+            <a:prstDash val="solid"/>
+            <a:miter lim="800000"/>
+            <a:headEnd type="none" w="sm" len="sm"/>
+            <a:tailEnd type="none" w="sm" len="sm"/>
+          </a:ln>
+        </p:spPr>
+        <p:txBody>
+          <a:bodyPr spcFirstLastPara="1" wrap="square" lIns="91425" tIns="45700" rIns="91425" bIns="45700" anchor="ctr" anchorCtr="0">
+            <a:noAutofit/>
+          </a:bodyPr>
+          <a:lstStyle/>
+          <a:p>
+            <a:pPr marL="0" marR="0" lvl="0" indent="0" algn="ctr" rtl="0">
+              <a:spcBef>
+                <a:spcPts val="0"/>
+              </a:spcBef>
+              <a:spcAft>
+                <a:spcPts val="0"/>
+              </a:spcAft>
+              <a:buNone/>
+            </a:pPr>
+            <a:r>
+              <a:rPr lang="ko-KR" altLang="en-US" sz="800" b="1" dirty="0">
+                <a:solidFill>
+                  <a:schemeClr val="dk1"/>
+                </a:solidFill>
+                <a:latin typeface="Malgun Gothic"/>
+                <a:ea typeface="Malgun Gothic"/>
+                <a:sym typeface="Malgun Gothic"/>
+              </a:rPr>
+              <a:t>삭제</a:t>
+            </a:r>
+            <a:endParaRPr sz="800" dirty="0"/>
+          </a:p>
+        </p:txBody>
+      </p:sp>
+      <p:sp>
+        <p:nvSpPr>
+          <p:cNvPr id="141" name="Google Shape;137;p1">
+            <a:extLst>
+              <a:ext uri="{FF2B5EF4-FFF2-40B4-BE49-F238E27FC236}">
+                <a16:creationId xmlns:a16="http://schemas.microsoft.com/office/drawing/2014/main" id="{7338E7A0-EDA6-4369-C044-315676A456D5}"/>
+              </a:ext>
+            </a:extLst>
+          </p:cNvPr>
+          <p:cNvSpPr/>
+          <p:nvPr/>
+        </p:nvSpPr>
+        <p:spPr>
+          <a:xfrm>
+            <a:off x="4754701" y="5721506"/>
+            <a:ext cx="445282" cy="151173"/>
+          </a:xfrm>
+          <a:prstGeom prst="roundRect">
+            <a:avLst>
+              <a:gd name="adj" fmla="val 16667"/>
+            </a:avLst>
+          </a:prstGeom>
+          <a:solidFill>
+            <a:srgbClr val="BEF2C7"/>
+          </a:solidFill>
+          <a:ln w="3175" cap="flat" cmpd="sng">
+            <a:solidFill>
+              <a:srgbClr val="082836"/>
+            </a:solidFill>
+            <a:prstDash val="solid"/>
+            <a:miter lim="800000"/>
+            <a:headEnd type="none" w="sm" len="sm"/>
+            <a:tailEnd type="none" w="sm" len="sm"/>
+          </a:ln>
+        </p:spPr>
+        <p:txBody>
+          <a:bodyPr spcFirstLastPara="1" wrap="square" lIns="91425" tIns="45700" rIns="91425" bIns="45700" anchor="ctr" anchorCtr="0">
+            <a:noAutofit/>
+          </a:bodyPr>
+          <a:lstStyle/>
+          <a:p>
+            <a:pPr marL="0" marR="0" lvl="0" indent="0" algn="ctr" rtl="0">
+              <a:spcBef>
+                <a:spcPts val="0"/>
+              </a:spcBef>
+              <a:spcAft>
+                <a:spcPts val="0"/>
+              </a:spcAft>
+              <a:buNone/>
+            </a:pPr>
+            <a:r>
+              <a:rPr lang="ko-KR" altLang="en-US" sz="800" b="1" dirty="0">
+                <a:solidFill>
+                  <a:schemeClr val="dk1"/>
+                </a:solidFill>
+                <a:latin typeface="Malgun Gothic"/>
+                <a:ea typeface="Malgun Gothic"/>
+                <a:sym typeface="Malgun Gothic"/>
+              </a:rPr>
+              <a:t>삭제</a:t>
+            </a:r>
+            <a:endParaRPr sz="800" dirty="0"/>
           </a:p>
         </p:txBody>
       </p:sp>
     </p:spTree>
     <p:extLst>
       <p:ext uri="{BB962C8B-B14F-4D97-AF65-F5344CB8AC3E}">
-        <p14:creationId xmlns:p14="http://schemas.microsoft.com/office/powerpoint/2010/main" val="3528865701"/>
+        <p14:creationId xmlns:p14="http://schemas.microsoft.com/office/powerpoint/2010/main" val="3584600610"/>
       </p:ext>
     </p:extLst>
   </p:cSld>
